--- a/KPMG_Task2/KPMG_Task2.pptx
+++ b/KPMG_Task2/KPMG_Task2.pptx
@@ -5,7 +5,7 @@
     <p:sldMasterId id="2147483648" r:id="rId1"/>
   </p:sldMasterIdLst>
   <p:notesMasterIdLst>
-    <p:notesMasterId r:id="rId21"/>
+    <p:notesMasterId r:id="rId28"/>
   </p:notesMasterIdLst>
   <p:sldIdLst>
     <p:sldId id="256" r:id="rId2"/>
@@ -25,8 +25,15 @@
     <p:sldId id="272" r:id="rId16"/>
     <p:sldId id="273" r:id="rId17"/>
     <p:sldId id="275" r:id="rId18"/>
-    <p:sldId id="262" r:id="rId19"/>
-    <p:sldId id="263" r:id="rId20"/>
+    <p:sldId id="276" r:id="rId19"/>
+    <p:sldId id="277" r:id="rId20"/>
+    <p:sldId id="278" r:id="rId21"/>
+    <p:sldId id="279" r:id="rId22"/>
+    <p:sldId id="280" r:id="rId23"/>
+    <p:sldId id="281" r:id="rId24"/>
+    <p:sldId id="282" r:id="rId25"/>
+    <p:sldId id="262" r:id="rId26"/>
+    <p:sldId id="263" r:id="rId27"/>
   </p:sldIdLst>
   <p:sldSz cx="9144000" cy="5143500" type="screen16x9"/>
   <p:notesSz cx="6858000" cy="9144000"/>
@@ -3238,7 +3245,7 @@
         <p:spPr>
           <a:xfrm>
             <a:off x="537900" y="3666599"/>
-            <a:ext cx="6249600" cy="398751"/>
+            <a:ext cx="6249600" cy="553966"/>
           </a:xfrm>
           <a:prstGeom prst="rect">
             <a:avLst/>
@@ -3271,9 +3278,16 @@
           </a:lstStyle>
           <a:p>
             <a:r>
-              <a:rPr dirty="0"/>
-              <a:t>[Division Name] - [Engagement Manager], [Senior Consultant], [Junior Consultant]</a:t>
-            </a:r>
+              <a:rPr lang="en-US" dirty="0"/>
+              <a:t>Shubham Tiwari</a:t>
+            </a:r>
+          </a:p>
+          <a:p>
+            <a:r>
+              <a:rPr lang="en-US" dirty="0"/>
+              <a:t>KPMG Data Analyst Virtual Intern</a:t>
+            </a:r>
+            <a:endParaRPr dirty="0"/>
           </a:p>
         </p:txBody>
       </p:sp>
@@ -3397,7 +3411,7 @@
         <p:spPr>
           <a:xfrm>
             <a:off x="205025" y="263974"/>
-            <a:ext cx="8565600" cy="758742"/>
+            <a:ext cx="8565600" cy="492410"/>
           </a:xfrm>
           <a:prstGeom prst="rect">
             <a:avLst/>
@@ -3426,7 +3440,8 @@
           </a:lstStyle>
           <a:p>
             <a:r>
-              <a:t>Interpretation</a:t>
+              <a:rPr lang="en-IN" dirty="0"/>
+              <a:t>Data Exploration</a:t>
             </a:r>
           </a:p>
         </p:txBody>
@@ -3695,7 +3710,7 @@
           <a:bodyPr lIns="45719" rIns="45719" anchor="ctr"/>
           <a:lstStyle/>
           <a:p>
-            <a:endParaRPr/>
+            <a:endParaRPr dirty="0"/>
           </a:p>
         </p:txBody>
       </p:sp>
@@ -3708,7 +3723,7 @@
         <p:spPr>
           <a:xfrm>
             <a:off x="205025" y="263974"/>
-            <a:ext cx="8565600" cy="758742"/>
+            <a:ext cx="8565600" cy="492410"/>
           </a:xfrm>
           <a:prstGeom prst="rect">
             <a:avLst/>
@@ -3737,7 +3752,8 @@
           </a:lstStyle>
           <a:p>
             <a:r>
-              <a:t>Interpretation</a:t>
+              <a:rPr lang="en-IN" dirty="0"/>
+              <a:t>Data Exploration</a:t>
             </a:r>
           </a:p>
         </p:txBody>
@@ -4011,7 +4027,7 @@
           <a:bodyPr lIns="45719" rIns="45719" anchor="ctr"/>
           <a:lstStyle/>
           <a:p>
-            <a:endParaRPr/>
+            <a:endParaRPr dirty="0"/>
           </a:p>
         </p:txBody>
       </p:sp>
@@ -4024,7 +4040,7 @@
         <p:spPr>
           <a:xfrm>
             <a:off x="205025" y="263974"/>
-            <a:ext cx="8565600" cy="758742"/>
+            <a:ext cx="8565600" cy="492410"/>
           </a:xfrm>
           <a:prstGeom prst="rect">
             <a:avLst/>
@@ -4053,7 +4069,8 @@
           </a:lstStyle>
           <a:p>
             <a:r>
-              <a:t>Interpretation</a:t>
+              <a:rPr lang="en-IN" dirty="0"/>
+              <a:t>Data Exploration</a:t>
             </a:r>
           </a:p>
         </p:txBody>
@@ -4310,7 +4327,7 @@
         <p:spPr>
           <a:xfrm>
             <a:off x="205025" y="263974"/>
-            <a:ext cx="8565600" cy="758742"/>
+            <a:ext cx="8565600" cy="492410"/>
           </a:xfrm>
           <a:prstGeom prst="rect">
             <a:avLst/>
@@ -4339,7 +4356,8 @@
           </a:lstStyle>
           <a:p>
             <a:r>
-              <a:t>Interpretation</a:t>
+              <a:rPr lang="en-IN" dirty="0"/>
+              <a:t>Data Exploration</a:t>
             </a:r>
           </a:p>
         </p:txBody>
@@ -4626,7 +4644,7 @@
         <p:spPr>
           <a:xfrm>
             <a:off x="205025" y="263974"/>
-            <a:ext cx="8565600" cy="758742"/>
+            <a:ext cx="8565600" cy="492410"/>
           </a:xfrm>
           <a:prstGeom prst="rect">
             <a:avLst/>
@@ -4655,7 +4673,8 @@
           </a:lstStyle>
           <a:p>
             <a:r>
-              <a:t>Interpretation</a:t>
+              <a:rPr lang="en-IN" dirty="0"/>
+              <a:t>Data Exploration</a:t>
             </a:r>
           </a:p>
         </p:txBody>
@@ -5046,7 +5065,7 @@
         <p:spPr>
           <a:xfrm>
             <a:off x="205025" y="263974"/>
-            <a:ext cx="8565600" cy="758742"/>
+            <a:ext cx="8565600" cy="492410"/>
           </a:xfrm>
           <a:prstGeom prst="rect">
             <a:avLst/>
@@ -5075,7 +5094,8 @@
           </a:lstStyle>
           <a:p>
             <a:r>
-              <a:t>Interpretation</a:t>
+              <a:rPr lang="en-IN" dirty="0"/>
+              <a:t>Data Exploration</a:t>
             </a:r>
           </a:p>
         </p:txBody>
@@ -5362,7 +5382,7 @@
         <p:spPr>
           <a:xfrm>
             <a:off x="205025" y="263974"/>
-            <a:ext cx="8565600" cy="758742"/>
+            <a:ext cx="8565600" cy="492410"/>
           </a:xfrm>
           <a:prstGeom prst="rect">
             <a:avLst/>
@@ -5391,7 +5411,8 @@
           </a:lstStyle>
           <a:p>
             <a:r>
-              <a:t>Interpretation</a:t>
+              <a:rPr lang="en-IN" dirty="0"/>
+              <a:t>Data Exploration</a:t>
             </a:r>
           </a:p>
         </p:txBody>
@@ -5688,7 +5709,7 @@
         <p:spPr>
           <a:xfrm>
             <a:off x="205025" y="263974"/>
-            <a:ext cx="8565600" cy="758742"/>
+            <a:ext cx="8565600" cy="492410"/>
           </a:xfrm>
           <a:prstGeom prst="rect">
             <a:avLst/>
@@ -5717,7 +5738,8 @@
           </a:lstStyle>
           <a:p>
             <a:r>
-              <a:t>Interpretation</a:t>
+              <a:rPr lang="en-IN" dirty="0"/>
+              <a:t>Data Exploration</a:t>
             </a:r>
           </a:p>
         </p:txBody>
@@ -5912,6 +5934,2284 @@
 </file>
 
 <file path=ppt/slides/slide18.xml><?xml version="1.0" encoding="utf-8"?>
+<p:sld xmlns:a="http://schemas.openxmlformats.org/drawingml/2006/main" xmlns:r="http://schemas.openxmlformats.org/officeDocument/2006/relationships" xmlns:p="http://schemas.openxmlformats.org/presentationml/2006/main">
+  <p:cSld>
+    <p:spTree>
+      <p:nvGrpSpPr>
+        <p:cNvPr id="1" name=""/>
+        <p:cNvGrpSpPr/>
+        <p:nvPr/>
+      </p:nvGrpSpPr>
+      <p:grpSpPr>
+        <a:xfrm>
+          <a:off x="0" y="0"/>
+          <a:ext cx="0" cy="0"/>
+          <a:chOff x="0" y="0"/>
+          <a:chExt cx="0" cy="0"/>
+        </a:xfrm>
+      </p:grpSpPr>
+      <p:sp>
+        <p:nvSpPr>
+          <p:cNvPr id="148" name="Shape 97"/>
+          <p:cNvSpPr/>
+          <p:nvPr/>
+        </p:nvSpPr>
+        <p:spPr>
+          <a:xfrm>
+            <a:off x="-15501" y="-19475"/>
+            <a:ext cx="9191402" cy="840000"/>
+          </a:xfrm>
+          <a:prstGeom prst="rect">
+            <a:avLst/>
+          </a:prstGeom>
+          <a:gradFill>
+            <a:gsLst>
+              <a:gs pos="0">
+                <a:srgbClr val="1077D2"/>
+              </a:gs>
+              <a:gs pos="100000">
+                <a:srgbClr val="093153"/>
+              </a:gs>
+            </a:gsLst>
+            <a:lin ang="12000143"/>
+          </a:gradFill>
+          <a:ln w="12700">
+            <a:miter lim="400000"/>
+          </a:ln>
+        </p:spPr>
+        <p:txBody>
+          <a:bodyPr lIns="45719" rIns="45719" anchor="ctr"/>
+          <a:lstStyle/>
+          <a:p>
+            <a:endParaRPr/>
+          </a:p>
+        </p:txBody>
+      </p:sp>
+      <p:sp>
+        <p:nvSpPr>
+          <p:cNvPr id="149" name="Shape 98"/>
+          <p:cNvSpPr/>
+          <p:nvPr/>
+        </p:nvSpPr>
+        <p:spPr>
+          <a:xfrm>
+            <a:off x="205025" y="263974"/>
+            <a:ext cx="8565600" cy="492410"/>
+          </a:xfrm>
+          <a:prstGeom prst="rect">
+            <a:avLst/>
+          </a:prstGeom>
+          <a:ln w="12700">
+            <a:miter lim="400000"/>
+          </a:ln>
+          <a:extLst>
+            <a:ext uri="{C572A759-6A51-4108-AA02-DFA0A04FC94B}">
+              <ma14:wrappingTextBoxFlag xmlns="" xmlns:ma14="http://schemas.microsoft.com/office/mac/drawingml/2011/main" val="1"/>
+            </a:ext>
+          </a:extLst>
+        </p:spPr>
+        <p:txBody>
+          <a:bodyPr lIns="91424" tIns="91424" rIns="91424" bIns="91424">
+            <a:spAutoFit/>
+          </a:bodyPr>
+          <a:lstStyle>
+            <a:lvl1pPr>
+              <a:defRPr sz="2000" b="1">
+                <a:solidFill>
+                  <a:srgbClr val="FFFFFF"/>
+                </a:solidFill>
+              </a:defRPr>
+            </a:lvl1pPr>
+          </a:lstStyle>
+          <a:p>
+            <a:r>
+              <a:rPr lang="en-GB" dirty="0"/>
+              <a:t>M</a:t>
+            </a:r>
+            <a:r>
+              <a:rPr lang="en-IN" dirty="0" err="1"/>
+              <a:t>odel</a:t>
+            </a:r>
+            <a:r>
+              <a:rPr lang="en-IN" dirty="0"/>
+              <a:t> Development</a:t>
+            </a:r>
+          </a:p>
+        </p:txBody>
+      </p:sp>
+      <p:sp>
+        <p:nvSpPr>
+          <p:cNvPr id="150" name="Shape 99"/>
+          <p:cNvSpPr/>
+          <p:nvPr/>
+        </p:nvSpPr>
+        <p:spPr>
+          <a:xfrm>
+            <a:off x="205025" y="1083299"/>
+            <a:ext cx="8565600" cy="516327"/>
+          </a:xfrm>
+          <a:prstGeom prst="rect">
+            <a:avLst/>
+          </a:prstGeom>
+          <a:ln w="12700">
+            <a:miter lim="400000"/>
+          </a:ln>
+          <a:extLst>
+            <a:ext uri="{C572A759-6A51-4108-AA02-DFA0A04FC94B}">
+              <ma14:wrappingTextBoxFlag xmlns="" xmlns:ma14="http://schemas.microsoft.com/office/mac/drawingml/2011/main" val="1"/>
+            </a:ext>
+          </a:extLst>
+        </p:spPr>
+        <p:txBody>
+          <a:bodyPr lIns="91424" tIns="91424" rIns="91424" bIns="91424">
+            <a:spAutoFit/>
+          </a:bodyPr>
+          <a:lstStyle>
+            <a:lvl1pPr>
+              <a:lnSpc>
+                <a:spcPct val="115000"/>
+              </a:lnSpc>
+              <a:defRPr sz="2000" b="1">
+                <a:latin typeface="Open Sans"/>
+                <a:ea typeface="Open Sans"/>
+                <a:cs typeface="Open Sans"/>
+                <a:sym typeface="Open Sans"/>
+              </a:defRPr>
+            </a:lvl1pPr>
+          </a:lstStyle>
+          <a:p>
+            <a:r>
+              <a:rPr lang="en-IN" dirty="0"/>
+              <a:t>RFM Analysis</a:t>
+            </a:r>
+          </a:p>
+        </p:txBody>
+      </p:sp>
+      <p:sp>
+        <p:nvSpPr>
+          <p:cNvPr id="151" name="Shape 100"/>
+          <p:cNvSpPr/>
+          <p:nvPr/>
+        </p:nvSpPr>
+        <p:spPr>
+          <a:xfrm>
+            <a:off x="205026" y="1629793"/>
+            <a:ext cx="8660368" cy="3003867"/>
+          </a:xfrm>
+          <a:prstGeom prst="rect">
+            <a:avLst/>
+          </a:prstGeom>
+          <a:ln w="12700">
+            <a:miter lim="400000"/>
+          </a:ln>
+          <a:extLst>
+            <a:ext uri="{C572A759-6A51-4108-AA02-DFA0A04FC94B}">
+              <ma14:wrappingTextBoxFlag xmlns="" xmlns:ma14="http://schemas.microsoft.com/office/mac/drawingml/2011/main" val="1"/>
+            </a:ext>
+          </a:extLst>
+        </p:spPr>
+        <p:txBody>
+          <a:bodyPr wrap="square" lIns="91424" tIns="91424" rIns="91424" bIns="91424">
+            <a:spAutoFit/>
+          </a:bodyPr>
+          <a:lstStyle>
+            <a:lvl1pPr>
+              <a:lnSpc>
+                <a:spcPct val="115000"/>
+              </a:lnSpc>
+              <a:defRPr sz="1500">
+                <a:latin typeface="Open Sans"/>
+                <a:ea typeface="Open Sans"/>
+                <a:cs typeface="Open Sans"/>
+                <a:sym typeface="Open Sans"/>
+              </a:defRPr>
+            </a:lvl1pPr>
+          </a:lstStyle>
+          <a:p>
+            <a:pPr marL="285750" indent="-285750">
+              <a:buFont typeface="Wingdings" panose="05000000000000000000" pitchFamily="2" charset="2"/>
+              <a:buChar char="§"/>
+            </a:pPr>
+            <a:r>
+              <a:rPr lang="en-IN" sz="1600" b="1" dirty="0"/>
+              <a:t>Recency</a:t>
+            </a:r>
+          </a:p>
+          <a:p>
+            <a:pPr marL="539750" lvl="3" indent="-274638">
+              <a:buFont typeface="Wingdings" panose="05000000000000000000" pitchFamily="2" charset="2"/>
+              <a:buChar char="Ø"/>
+              <a:tabLst>
+                <a:tab pos="539750" algn="l"/>
+              </a:tabLst>
+            </a:pPr>
+            <a:r>
+              <a:rPr lang="en-IN" sz="1600" dirty="0"/>
+              <a:t>The last day on which a customer performed a transaction was taken as the recency parameter.</a:t>
+            </a:r>
+          </a:p>
+          <a:p>
+            <a:pPr marL="539750" lvl="3" indent="-274638">
+              <a:buFont typeface="Wingdings" panose="05000000000000000000" pitchFamily="2" charset="2"/>
+              <a:buChar char="Ø"/>
+              <a:tabLst>
+                <a:tab pos="539750" algn="l"/>
+              </a:tabLst>
+            </a:pPr>
+            <a:r>
+              <a:rPr lang="en-IN" sz="1600" dirty="0"/>
+              <a:t>Customers were divided into 4 quartiles and given a </a:t>
+            </a:r>
+            <a:r>
+              <a:rPr lang="en-IN" sz="1600" dirty="0" err="1"/>
+              <a:t>R_Score</a:t>
+            </a:r>
+            <a:r>
+              <a:rPr lang="en-IN" sz="1600" dirty="0"/>
+              <a:t>.</a:t>
+            </a:r>
+          </a:p>
+          <a:p>
+            <a:pPr marL="285750" indent="-285750">
+              <a:buFont typeface="Wingdings" panose="05000000000000000000" pitchFamily="2" charset="2"/>
+              <a:buChar char="§"/>
+            </a:pPr>
+            <a:r>
+              <a:rPr lang="en-IN" sz="1600" b="1" dirty="0"/>
+              <a:t>Frequency</a:t>
+            </a:r>
+          </a:p>
+          <a:p>
+            <a:pPr marL="539750" lvl="1" indent="-276225">
+              <a:buFont typeface="Wingdings" panose="05000000000000000000" pitchFamily="2" charset="2"/>
+              <a:buChar char="Ø"/>
+            </a:pPr>
+            <a:r>
+              <a:rPr lang="en-IN" sz="1600" dirty="0">
+                <a:latin typeface="+mn-lt"/>
+                <a:ea typeface="+mn-ea"/>
+                <a:cs typeface="+mn-cs"/>
+                <a:sym typeface="Arial"/>
+              </a:rPr>
+              <a:t>The frequency of transactions done by a particular customer was taken as the frequency parameter.</a:t>
+            </a:r>
+          </a:p>
+          <a:p>
+            <a:pPr marL="539750" lvl="1" indent="-276225">
+              <a:buFont typeface="Wingdings" panose="05000000000000000000" pitchFamily="2" charset="2"/>
+              <a:buChar char="Ø"/>
+            </a:pPr>
+            <a:r>
+              <a:rPr lang="en-IN" sz="1600" dirty="0">
+                <a:latin typeface="+mn-lt"/>
+                <a:ea typeface="+mn-ea"/>
+                <a:cs typeface="+mn-cs"/>
+                <a:sym typeface="Arial"/>
+              </a:rPr>
+              <a:t>Customers were divided into 4 quartiles and given a </a:t>
+            </a:r>
+            <a:r>
+              <a:rPr lang="en-IN" sz="1600" dirty="0" err="1">
+                <a:latin typeface="+mn-lt"/>
+                <a:ea typeface="+mn-ea"/>
+                <a:cs typeface="+mn-cs"/>
+                <a:sym typeface="Arial"/>
+              </a:rPr>
+              <a:t>F_Score</a:t>
+            </a:r>
+            <a:r>
+              <a:rPr lang="en-IN" sz="1600" dirty="0"/>
+              <a:t>.</a:t>
+            </a:r>
+          </a:p>
+          <a:p>
+            <a:pPr marL="265113" indent="-265113">
+              <a:buFont typeface="Wingdings" panose="05000000000000000000" pitchFamily="2" charset="2"/>
+              <a:buChar char="§"/>
+            </a:pPr>
+            <a:r>
+              <a:rPr lang="en-IN" sz="1600" b="1" dirty="0"/>
+              <a:t>Monetary Value</a:t>
+            </a:r>
+          </a:p>
+          <a:p>
+            <a:pPr marL="550862" lvl="1" indent="-285750">
+              <a:buFont typeface="Wingdings" panose="05000000000000000000" pitchFamily="2" charset="2"/>
+              <a:buChar char="Ø"/>
+            </a:pPr>
+            <a:r>
+              <a:rPr lang="en-IN" sz="1600" dirty="0">
+                <a:latin typeface="+mn-lt"/>
+                <a:ea typeface="+mn-ea"/>
+                <a:cs typeface="+mn-cs"/>
+                <a:sym typeface="Arial"/>
+              </a:rPr>
+              <a:t>The average profit per customer was taken as the monetary value parameter.</a:t>
+            </a:r>
+          </a:p>
+          <a:p>
+            <a:pPr marL="550862" lvl="1" indent="-285750">
+              <a:buFont typeface="Wingdings" panose="05000000000000000000" pitchFamily="2" charset="2"/>
+              <a:buChar char="Ø"/>
+            </a:pPr>
+            <a:r>
+              <a:rPr lang="en-IN" sz="1600" dirty="0">
+                <a:latin typeface="+mn-lt"/>
+                <a:ea typeface="+mn-ea"/>
+                <a:cs typeface="+mn-cs"/>
+                <a:sym typeface="Arial"/>
+              </a:rPr>
+              <a:t>Customers were divided into 4 quartiles and given a </a:t>
+            </a:r>
+            <a:r>
+              <a:rPr lang="en-IN" sz="1600" dirty="0" err="1">
+                <a:latin typeface="+mn-lt"/>
+                <a:ea typeface="+mn-ea"/>
+                <a:cs typeface="+mn-cs"/>
+                <a:sym typeface="Arial"/>
+              </a:rPr>
+              <a:t>M_Score</a:t>
+            </a:r>
+            <a:endParaRPr dirty="0"/>
+          </a:p>
+        </p:txBody>
+      </p:sp>
+      <p:sp>
+        <p:nvSpPr>
+          <p:cNvPr id="155" name="Note: The data and information in this document is reflective of a hypothetical situation and client. This document is to be used for KPMG Virtual Internship purposes only."/>
+          <p:cNvSpPr/>
+          <p:nvPr/>
+        </p:nvSpPr>
+        <p:spPr>
+          <a:xfrm>
+            <a:off x="-6201" y="-6350"/>
+            <a:ext cx="9175601" cy="238700"/>
+          </a:xfrm>
+          <a:prstGeom prst="rect">
+            <a:avLst/>
+          </a:prstGeom>
+          <a:solidFill>
+            <a:schemeClr val="accent3"/>
+          </a:solidFill>
+          <a:ln w="12700">
+            <a:miter lim="400000"/>
+          </a:ln>
+          <a:extLst>
+            <a:ext uri="{C572A759-6A51-4108-AA02-DFA0A04FC94B}">
+              <ma14:wrappingTextBoxFlag xmlns="" xmlns:ma14="http://schemas.microsoft.com/office/mac/drawingml/2011/main" val="1"/>
+            </a:ext>
+          </a:extLst>
+        </p:spPr>
+        <p:txBody>
+          <a:bodyPr lIns="45719" rIns="45719" anchor="ctr"/>
+          <a:lstStyle/>
+          <a:p>
+            <a:pPr defTabSz="457200">
+              <a:defRPr sz="500" b="1">
+                <a:latin typeface="Calibri"/>
+                <a:ea typeface="Calibri"/>
+                <a:cs typeface="Calibri"/>
+                <a:sym typeface="Calibri"/>
+              </a:defRPr>
+            </a:pPr>
+            <a:r>
+              <a:t>       Note: </a:t>
+            </a:r>
+            <a:r>
+              <a:rPr b="0"/>
+              <a:t>The data and information in this document is reflective of a hypothetical situation and client. This document is to be used for KPMG Virtual Internship purposes only. </a:t>
+            </a:r>
+          </a:p>
+        </p:txBody>
+      </p:sp>
+    </p:spTree>
+    <p:extLst>
+      <p:ext uri="{BB962C8B-B14F-4D97-AF65-F5344CB8AC3E}">
+        <p14:creationId xmlns:p14="http://schemas.microsoft.com/office/powerpoint/2010/main" val="2940639513"/>
+      </p:ext>
+    </p:extLst>
+  </p:cSld>
+  <p:clrMapOvr>
+    <a:masterClrMapping/>
+  </p:clrMapOvr>
+  <p:transition spd="med"/>
+</p:sld>
+</file>
+
+<file path=ppt/slides/slide19.xml><?xml version="1.0" encoding="utf-8"?>
+<p:sld xmlns:a="http://schemas.openxmlformats.org/drawingml/2006/main" xmlns:r="http://schemas.openxmlformats.org/officeDocument/2006/relationships" xmlns:p="http://schemas.openxmlformats.org/presentationml/2006/main">
+  <p:cSld>
+    <p:spTree>
+      <p:nvGrpSpPr>
+        <p:cNvPr id="1" name=""/>
+        <p:cNvGrpSpPr/>
+        <p:nvPr/>
+      </p:nvGrpSpPr>
+      <p:grpSpPr>
+        <a:xfrm>
+          <a:off x="0" y="0"/>
+          <a:ext cx="0" cy="0"/>
+          <a:chOff x="0" y="0"/>
+          <a:chExt cx="0" cy="0"/>
+        </a:xfrm>
+      </p:grpSpPr>
+      <p:sp>
+        <p:nvSpPr>
+          <p:cNvPr id="148" name="Shape 97"/>
+          <p:cNvSpPr/>
+          <p:nvPr/>
+        </p:nvSpPr>
+        <p:spPr>
+          <a:xfrm>
+            <a:off x="-15501" y="-19475"/>
+            <a:ext cx="9191402" cy="840000"/>
+          </a:xfrm>
+          <a:prstGeom prst="rect">
+            <a:avLst/>
+          </a:prstGeom>
+          <a:gradFill>
+            <a:gsLst>
+              <a:gs pos="0">
+                <a:srgbClr val="1077D2"/>
+              </a:gs>
+              <a:gs pos="100000">
+                <a:srgbClr val="093153"/>
+              </a:gs>
+            </a:gsLst>
+            <a:lin ang="12000143"/>
+          </a:gradFill>
+          <a:ln w="12700">
+            <a:miter lim="400000"/>
+          </a:ln>
+        </p:spPr>
+        <p:txBody>
+          <a:bodyPr lIns="45719" rIns="45719" anchor="ctr"/>
+          <a:lstStyle/>
+          <a:p>
+            <a:endParaRPr/>
+          </a:p>
+        </p:txBody>
+      </p:sp>
+      <p:sp>
+        <p:nvSpPr>
+          <p:cNvPr id="149" name="Shape 98"/>
+          <p:cNvSpPr/>
+          <p:nvPr/>
+        </p:nvSpPr>
+        <p:spPr>
+          <a:xfrm>
+            <a:off x="205025" y="263974"/>
+            <a:ext cx="8565600" cy="492410"/>
+          </a:xfrm>
+          <a:prstGeom prst="rect">
+            <a:avLst/>
+          </a:prstGeom>
+          <a:ln w="12700">
+            <a:miter lim="400000"/>
+          </a:ln>
+          <a:extLst>
+            <a:ext uri="{C572A759-6A51-4108-AA02-DFA0A04FC94B}">
+              <ma14:wrappingTextBoxFlag xmlns:ma14="http://schemas.microsoft.com/office/mac/drawingml/2011/main" xmlns="" val="1"/>
+            </a:ext>
+          </a:extLst>
+        </p:spPr>
+        <p:txBody>
+          <a:bodyPr lIns="91424" tIns="91424" rIns="91424" bIns="91424">
+            <a:spAutoFit/>
+          </a:bodyPr>
+          <a:lstStyle>
+            <a:lvl1pPr>
+              <a:defRPr sz="2000" b="1">
+                <a:solidFill>
+                  <a:srgbClr val="FFFFFF"/>
+                </a:solidFill>
+              </a:defRPr>
+            </a:lvl1pPr>
+          </a:lstStyle>
+          <a:p>
+            <a:r>
+              <a:rPr lang="en-GB" dirty="0"/>
+              <a:t>M</a:t>
+            </a:r>
+            <a:r>
+              <a:rPr lang="en-IN" dirty="0" err="1"/>
+              <a:t>odel</a:t>
+            </a:r>
+            <a:r>
+              <a:rPr lang="en-IN" dirty="0"/>
+              <a:t> Development</a:t>
+            </a:r>
+          </a:p>
+        </p:txBody>
+      </p:sp>
+      <p:sp>
+        <p:nvSpPr>
+          <p:cNvPr id="150" name="Shape 99"/>
+          <p:cNvSpPr/>
+          <p:nvPr/>
+        </p:nvSpPr>
+        <p:spPr>
+          <a:xfrm>
+            <a:off x="205025" y="1083299"/>
+            <a:ext cx="8565600" cy="516327"/>
+          </a:xfrm>
+          <a:prstGeom prst="rect">
+            <a:avLst/>
+          </a:prstGeom>
+          <a:ln w="12700">
+            <a:miter lim="400000"/>
+          </a:ln>
+          <a:extLst>
+            <a:ext uri="{C572A759-6A51-4108-AA02-DFA0A04FC94B}">
+              <ma14:wrappingTextBoxFlag xmlns:ma14="http://schemas.microsoft.com/office/mac/drawingml/2011/main" xmlns="" val="1"/>
+            </a:ext>
+          </a:extLst>
+        </p:spPr>
+        <p:txBody>
+          <a:bodyPr lIns="91424" tIns="91424" rIns="91424" bIns="91424">
+            <a:spAutoFit/>
+          </a:bodyPr>
+          <a:lstStyle>
+            <a:lvl1pPr>
+              <a:lnSpc>
+                <a:spcPct val="115000"/>
+              </a:lnSpc>
+              <a:defRPr sz="2000" b="1">
+                <a:latin typeface="Open Sans"/>
+                <a:ea typeface="Open Sans"/>
+                <a:cs typeface="Open Sans"/>
+                <a:sym typeface="Open Sans"/>
+              </a:defRPr>
+            </a:lvl1pPr>
+          </a:lstStyle>
+          <a:p>
+            <a:r>
+              <a:rPr lang="en-IN" dirty="0"/>
+              <a:t>RFM Analysis</a:t>
+            </a:r>
+          </a:p>
+        </p:txBody>
+      </p:sp>
+      <p:sp>
+        <p:nvSpPr>
+          <p:cNvPr id="155" name="Note: The data and information in this document is reflective of a hypothetical situation and client. This document is to be used for KPMG Virtual Internship purposes only."/>
+          <p:cNvSpPr/>
+          <p:nvPr/>
+        </p:nvSpPr>
+        <p:spPr>
+          <a:xfrm>
+            <a:off x="-6201" y="-6350"/>
+            <a:ext cx="9175601" cy="238700"/>
+          </a:xfrm>
+          <a:prstGeom prst="rect">
+            <a:avLst/>
+          </a:prstGeom>
+          <a:solidFill>
+            <a:schemeClr val="accent3"/>
+          </a:solidFill>
+          <a:ln w="12700">
+            <a:miter lim="400000"/>
+          </a:ln>
+          <a:extLst>
+            <a:ext uri="{C572A759-6A51-4108-AA02-DFA0A04FC94B}">
+              <ma14:wrappingTextBoxFlag xmlns:ma14="http://schemas.microsoft.com/office/mac/drawingml/2011/main" xmlns="" val="1"/>
+            </a:ext>
+          </a:extLst>
+        </p:spPr>
+        <p:txBody>
+          <a:bodyPr lIns="45719" rIns="45719" anchor="ctr"/>
+          <a:lstStyle/>
+          <a:p>
+            <a:pPr defTabSz="457200">
+              <a:defRPr sz="500" b="1">
+                <a:latin typeface="Calibri"/>
+                <a:ea typeface="Calibri"/>
+                <a:cs typeface="Calibri"/>
+                <a:sym typeface="Calibri"/>
+              </a:defRPr>
+            </a:pPr>
+            <a:r>
+              <a:t>       Note: </a:t>
+            </a:r>
+            <a:r>
+              <a:rPr b="0"/>
+              <a:t>The data and information in this document is reflective of a hypothetical situation and client. This document is to be used for KPMG Virtual Internship purposes only. </a:t>
+            </a:r>
+          </a:p>
+        </p:txBody>
+      </p:sp>
+      <p:pic>
+        <p:nvPicPr>
+          <p:cNvPr id="3" name="Picture 2">
+            <a:extLst>
+              <a:ext uri="{FF2B5EF4-FFF2-40B4-BE49-F238E27FC236}">
+                <a16:creationId xmlns:a16="http://schemas.microsoft.com/office/drawing/2014/main" id="{BF889E9A-2393-75A8-1EF4-18F631DB82C0}"/>
+              </a:ext>
+            </a:extLst>
+          </p:cNvPr>
+          <p:cNvPicPr>
+            <a:picLocks noChangeAspect="1"/>
+          </p:cNvPicPr>
+          <p:nvPr/>
+        </p:nvPicPr>
+        <p:blipFill>
+          <a:blip r:embed="rId2">
+            <a:extLst>
+              <a:ext uri="{28A0092B-C50C-407E-A947-70E740481C1C}">
+                <a14:useLocalDpi xmlns:a14="http://schemas.microsoft.com/office/drawing/2010/main" val="0"/>
+              </a:ext>
+            </a:extLst>
+          </a:blip>
+          <a:stretch>
+            <a:fillRect/>
+          </a:stretch>
+        </p:blipFill>
+        <p:spPr>
+          <a:xfrm>
+            <a:off x="1744968" y="1341462"/>
+            <a:ext cx="5485714" cy="3657143"/>
+          </a:xfrm>
+          <a:prstGeom prst="rect">
+            <a:avLst/>
+          </a:prstGeom>
+        </p:spPr>
+      </p:pic>
+    </p:spTree>
+    <p:extLst>
+      <p:ext uri="{BB962C8B-B14F-4D97-AF65-F5344CB8AC3E}">
+        <p14:creationId xmlns:p14="http://schemas.microsoft.com/office/powerpoint/2010/main" val="567402412"/>
+      </p:ext>
+    </p:extLst>
+  </p:cSld>
+  <p:clrMapOvr>
+    <a:masterClrMapping/>
+  </p:clrMapOvr>
+  <p:transition spd="med"/>
+</p:sld>
+</file>
+
+<file path=ppt/slides/slide2.xml><?xml version="1.0" encoding="utf-8"?>
+<p:sld xmlns:a="http://schemas.openxmlformats.org/drawingml/2006/main" xmlns:r="http://schemas.openxmlformats.org/officeDocument/2006/relationships" xmlns:p="http://schemas.openxmlformats.org/presentationml/2006/main">
+  <p:cSld>
+    <p:spTree>
+      <p:nvGrpSpPr>
+        <p:cNvPr id="1" name=""/>
+        <p:cNvGrpSpPr/>
+        <p:nvPr/>
+      </p:nvGrpSpPr>
+      <p:grpSpPr>
+        <a:xfrm>
+          <a:off x="0" y="0"/>
+          <a:ext cx="0" cy="0"/>
+          <a:chOff x="0" y="0"/>
+          <a:chExt cx="0" cy="0"/>
+        </a:xfrm>
+      </p:grpSpPr>
+      <p:sp>
+        <p:nvSpPr>
+          <p:cNvPr id="116" name="Shape 63"/>
+          <p:cNvSpPr/>
+          <p:nvPr/>
+        </p:nvSpPr>
+        <p:spPr>
+          <a:xfrm>
+            <a:off x="-15501" y="-19475"/>
+            <a:ext cx="9191402" cy="840000"/>
+          </a:xfrm>
+          <a:prstGeom prst="rect">
+            <a:avLst/>
+          </a:prstGeom>
+          <a:gradFill>
+            <a:gsLst>
+              <a:gs pos="0">
+                <a:srgbClr val="1077D2"/>
+              </a:gs>
+              <a:gs pos="100000">
+                <a:srgbClr val="093153"/>
+              </a:gs>
+            </a:gsLst>
+            <a:lin ang="12000143"/>
+          </a:gradFill>
+          <a:ln w="12700">
+            <a:miter lim="400000"/>
+          </a:ln>
+        </p:spPr>
+        <p:txBody>
+          <a:bodyPr lIns="45719" rIns="45719" anchor="ctr"/>
+          <a:lstStyle/>
+          <a:p>
+            <a:endParaRPr/>
+          </a:p>
+        </p:txBody>
+      </p:sp>
+      <p:sp>
+        <p:nvSpPr>
+          <p:cNvPr id="117" name="Shape 64"/>
+          <p:cNvSpPr/>
+          <p:nvPr/>
+        </p:nvSpPr>
+        <p:spPr>
+          <a:xfrm>
+            <a:off x="205025" y="263974"/>
+            <a:ext cx="8565600" cy="466642"/>
+          </a:xfrm>
+          <a:prstGeom prst="rect">
+            <a:avLst/>
+          </a:prstGeom>
+          <a:ln w="12700">
+            <a:miter lim="400000"/>
+          </a:ln>
+          <a:extLst>
+            <a:ext uri="{C572A759-6A51-4108-AA02-DFA0A04FC94B}">
+              <ma14:wrappingTextBoxFlag xmlns="" xmlns:ma14="http://schemas.microsoft.com/office/mac/drawingml/2011/main" val="1"/>
+            </a:ext>
+          </a:extLst>
+        </p:spPr>
+        <p:txBody>
+          <a:bodyPr lIns="91424" tIns="91424" rIns="91424" bIns="91424">
+            <a:spAutoFit/>
+          </a:bodyPr>
+          <a:lstStyle>
+            <a:lvl1pPr>
+              <a:defRPr sz="2000" b="1">
+                <a:solidFill>
+                  <a:srgbClr val="FFFFFF"/>
+                </a:solidFill>
+              </a:defRPr>
+            </a:lvl1pPr>
+          </a:lstStyle>
+          <a:p>
+            <a:r>
+              <a:t>Agenda</a:t>
+            </a:r>
+          </a:p>
+        </p:txBody>
+      </p:sp>
+      <p:sp>
+        <p:nvSpPr>
+          <p:cNvPr id="118" name="Shape 65"/>
+          <p:cNvSpPr/>
+          <p:nvPr/>
+        </p:nvSpPr>
+        <p:spPr>
+          <a:xfrm>
+            <a:off x="343874" y="1211200"/>
+            <a:ext cx="5459402" cy="1708756"/>
+          </a:xfrm>
+          <a:prstGeom prst="rect">
+            <a:avLst/>
+          </a:prstGeom>
+          <a:ln w="12700">
+            <a:miter lim="400000"/>
+          </a:ln>
+          <a:extLst>
+            <a:ext uri="{C572A759-6A51-4108-AA02-DFA0A04FC94B}">
+              <ma14:wrappingTextBoxFlag xmlns="" xmlns:ma14="http://schemas.microsoft.com/office/mac/drawingml/2011/main" val="1"/>
+            </a:ext>
+          </a:extLst>
+        </p:spPr>
+        <p:txBody>
+          <a:bodyPr lIns="91424" tIns="91424" rIns="91424" bIns="91424">
+            <a:spAutoFit/>
+          </a:bodyPr>
+          <a:lstStyle/>
+          <a:p>
+            <a:pPr marL="457200" indent="-355600">
+              <a:lnSpc>
+                <a:spcPct val="115000"/>
+              </a:lnSpc>
+              <a:buClr>
+                <a:srgbClr val="000000"/>
+              </a:buClr>
+              <a:buSzPts val="2000"/>
+              <a:buAutoNum type="arabicPeriod"/>
+              <a:defRPr sz="2000">
+                <a:latin typeface="Open Sans"/>
+                <a:ea typeface="Open Sans"/>
+                <a:cs typeface="Open Sans"/>
+                <a:sym typeface="Open Sans"/>
+              </a:defRPr>
+            </a:pPr>
+            <a:r>
+              <a:t>Introduction</a:t>
+            </a:r>
+          </a:p>
+          <a:p>
+            <a:pPr marL="457200" indent="-355600">
+              <a:lnSpc>
+                <a:spcPct val="115000"/>
+              </a:lnSpc>
+              <a:buClr>
+                <a:srgbClr val="000000"/>
+              </a:buClr>
+              <a:buSzPts val="2000"/>
+              <a:buAutoNum type="arabicPeriod"/>
+              <a:defRPr sz="2000">
+                <a:latin typeface="Open Sans"/>
+                <a:ea typeface="Open Sans"/>
+                <a:cs typeface="Open Sans"/>
+                <a:sym typeface="Open Sans"/>
+              </a:defRPr>
+            </a:pPr>
+            <a:r>
+              <a:t>Data Exploration</a:t>
+            </a:r>
+          </a:p>
+          <a:p>
+            <a:pPr marL="457200" indent="-355600">
+              <a:lnSpc>
+                <a:spcPct val="115000"/>
+              </a:lnSpc>
+              <a:buClr>
+                <a:srgbClr val="000000"/>
+              </a:buClr>
+              <a:buSzPts val="2000"/>
+              <a:buAutoNum type="arabicPeriod"/>
+              <a:defRPr sz="2000">
+                <a:latin typeface="Open Sans"/>
+                <a:ea typeface="Open Sans"/>
+                <a:cs typeface="Open Sans"/>
+                <a:sym typeface="Open Sans"/>
+              </a:defRPr>
+            </a:pPr>
+            <a:r>
+              <a:t>Model Development</a:t>
+            </a:r>
+          </a:p>
+          <a:p>
+            <a:pPr marL="457200" indent="-355600">
+              <a:lnSpc>
+                <a:spcPct val="115000"/>
+              </a:lnSpc>
+              <a:buClr>
+                <a:srgbClr val="000000"/>
+              </a:buClr>
+              <a:buSzPts val="2000"/>
+              <a:buAutoNum type="arabicPeriod"/>
+              <a:defRPr sz="2000">
+                <a:latin typeface="Open Sans"/>
+                <a:ea typeface="Open Sans"/>
+                <a:cs typeface="Open Sans"/>
+                <a:sym typeface="Open Sans"/>
+              </a:defRPr>
+            </a:pPr>
+            <a:r>
+              <a:t>Interpretation</a:t>
+            </a:r>
+          </a:p>
+        </p:txBody>
+      </p:sp>
+      <p:sp>
+        <p:nvSpPr>
+          <p:cNvPr id="119" name="Note: The data and information in this document is reflective of a hypothetical situation and client. This document is to be used for KPMG Virtual Internship purposes only."/>
+          <p:cNvSpPr/>
+          <p:nvPr/>
+        </p:nvSpPr>
+        <p:spPr>
+          <a:xfrm>
+            <a:off x="-6201" y="-6350"/>
+            <a:ext cx="9175601" cy="238700"/>
+          </a:xfrm>
+          <a:prstGeom prst="rect">
+            <a:avLst/>
+          </a:prstGeom>
+          <a:solidFill>
+            <a:schemeClr val="accent3"/>
+          </a:solidFill>
+          <a:ln w="12700">
+            <a:miter lim="400000"/>
+          </a:ln>
+          <a:extLst>
+            <a:ext uri="{C572A759-6A51-4108-AA02-DFA0A04FC94B}">
+              <ma14:wrappingTextBoxFlag xmlns="" xmlns:ma14="http://schemas.microsoft.com/office/mac/drawingml/2011/main" val="1"/>
+            </a:ext>
+          </a:extLst>
+        </p:spPr>
+        <p:txBody>
+          <a:bodyPr lIns="45719" rIns="45719" anchor="ctr"/>
+          <a:lstStyle/>
+          <a:p>
+            <a:pPr defTabSz="457200">
+              <a:defRPr sz="500" b="1">
+                <a:latin typeface="Calibri"/>
+                <a:ea typeface="Calibri"/>
+                <a:cs typeface="Calibri"/>
+                <a:sym typeface="Calibri"/>
+              </a:defRPr>
+            </a:pPr>
+            <a:r>
+              <a:t>       Note: </a:t>
+            </a:r>
+            <a:r>
+              <a:rPr b="0"/>
+              <a:t>The data and information in this document is reflective of a hypothetical situation and client. This document is to be used for KPMG Virtual Internship purposes only. </a:t>
+            </a:r>
+          </a:p>
+        </p:txBody>
+      </p:sp>
+    </p:spTree>
+  </p:cSld>
+  <p:clrMapOvr>
+    <a:masterClrMapping/>
+  </p:clrMapOvr>
+  <p:transition spd="med"/>
+</p:sld>
+</file>
+
+<file path=ppt/slides/slide20.xml><?xml version="1.0" encoding="utf-8"?>
+<p:sld xmlns:a="http://schemas.openxmlformats.org/drawingml/2006/main" xmlns:r="http://schemas.openxmlformats.org/officeDocument/2006/relationships" xmlns:p="http://schemas.openxmlformats.org/presentationml/2006/main">
+  <p:cSld>
+    <p:spTree>
+      <p:nvGrpSpPr>
+        <p:cNvPr id="1" name=""/>
+        <p:cNvGrpSpPr/>
+        <p:nvPr/>
+      </p:nvGrpSpPr>
+      <p:grpSpPr>
+        <a:xfrm>
+          <a:off x="0" y="0"/>
+          <a:ext cx="0" cy="0"/>
+          <a:chOff x="0" y="0"/>
+          <a:chExt cx="0" cy="0"/>
+        </a:xfrm>
+      </p:grpSpPr>
+      <p:sp>
+        <p:nvSpPr>
+          <p:cNvPr id="148" name="Shape 97"/>
+          <p:cNvSpPr/>
+          <p:nvPr/>
+        </p:nvSpPr>
+        <p:spPr>
+          <a:xfrm>
+            <a:off x="-15501" y="-19475"/>
+            <a:ext cx="9191402" cy="840000"/>
+          </a:xfrm>
+          <a:prstGeom prst="rect">
+            <a:avLst/>
+          </a:prstGeom>
+          <a:gradFill>
+            <a:gsLst>
+              <a:gs pos="0">
+                <a:srgbClr val="1077D2"/>
+              </a:gs>
+              <a:gs pos="100000">
+                <a:srgbClr val="093153"/>
+              </a:gs>
+            </a:gsLst>
+            <a:lin ang="12000143"/>
+          </a:gradFill>
+          <a:ln w="12700">
+            <a:miter lim="400000"/>
+          </a:ln>
+        </p:spPr>
+        <p:txBody>
+          <a:bodyPr lIns="45719" rIns="45719" anchor="ctr"/>
+          <a:lstStyle/>
+          <a:p>
+            <a:endParaRPr/>
+          </a:p>
+        </p:txBody>
+      </p:sp>
+      <p:sp>
+        <p:nvSpPr>
+          <p:cNvPr id="149" name="Shape 98"/>
+          <p:cNvSpPr/>
+          <p:nvPr/>
+        </p:nvSpPr>
+        <p:spPr>
+          <a:xfrm>
+            <a:off x="205025" y="263974"/>
+            <a:ext cx="8565600" cy="492410"/>
+          </a:xfrm>
+          <a:prstGeom prst="rect">
+            <a:avLst/>
+          </a:prstGeom>
+          <a:ln w="12700">
+            <a:miter lim="400000"/>
+          </a:ln>
+          <a:extLst>
+            <a:ext uri="{C572A759-6A51-4108-AA02-DFA0A04FC94B}">
+              <ma14:wrappingTextBoxFlag xmlns="" xmlns:ma14="http://schemas.microsoft.com/office/mac/drawingml/2011/main" val="1"/>
+            </a:ext>
+          </a:extLst>
+        </p:spPr>
+        <p:txBody>
+          <a:bodyPr lIns="91424" tIns="91424" rIns="91424" bIns="91424">
+            <a:spAutoFit/>
+          </a:bodyPr>
+          <a:lstStyle>
+            <a:lvl1pPr>
+              <a:defRPr sz="2000" b="1">
+                <a:solidFill>
+                  <a:srgbClr val="FFFFFF"/>
+                </a:solidFill>
+              </a:defRPr>
+            </a:lvl1pPr>
+          </a:lstStyle>
+          <a:p>
+            <a:r>
+              <a:rPr lang="en-GB" dirty="0"/>
+              <a:t>M</a:t>
+            </a:r>
+            <a:r>
+              <a:rPr lang="en-IN" dirty="0" err="1"/>
+              <a:t>odel</a:t>
+            </a:r>
+            <a:r>
+              <a:rPr lang="en-IN" dirty="0"/>
+              <a:t> Development</a:t>
+            </a:r>
+          </a:p>
+        </p:txBody>
+      </p:sp>
+      <p:sp>
+        <p:nvSpPr>
+          <p:cNvPr id="150" name="Shape 99"/>
+          <p:cNvSpPr/>
+          <p:nvPr/>
+        </p:nvSpPr>
+        <p:spPr>
+          <a:xfrm>
+            <a:off x="205025" y="1083299"/>
+            <a:ext cx="8565600" cy="516327"/>
+          </a:xfrm>
+          <a:prstGeom prst="rect">
+            <a:avLst/>
+          </a:prstGeom>
+          <a:ln w="12700">
+            <a:miter lim="400000"/>
+          </a:ln>
+          <a:extLst>
+            <a:ext uri="{C572A759-6A51-4108-AA02-DFA0A04FC94B}">
+              <ma14:wrappingTextBoxFlag xmlns="" xmlns:ma14="http://schemas.microsoft.com/office/mac/drawingml/2011/main" val="1"/>
+            </a:ext>
+          </a:extLst>
+        </p:spPr>
+        <p:txBody>
+          <a:bodyPr lIns="91424" tIns="91424" rIns="91424" bIns="91424">
+            <a:spAutoFit/>
+          </a:bodyPr>
+          <a:lstStyle>
+            <a:lvl1pPr>
+              <a:lnSpc>
+                <a:spcPct val="115000"/>
+              </a:lnSpc>
+              <a:defRPr sz="2000" b="1">
+                <a:latin typeface="Open Sans"/>
+                <a:ea typeface="Open Sans"/>
+                <a:cs typeface="Open Sans"/>
+                <a:sym typeface="Open Sans"/>
+              </a:defRPr>
+            </a:lvl1pPr>
+          </a:lstStyle>
+          <a:p>
+            <a:r>
+              <a:rPr lang="en-IN" dirty="0"/>
+              <a:t>RFM Analysis</a:t>
+            </a:r>
+          </a:p>
+        </p:txBody>
+      </p:sp>
+      <p:sp>
+        <p:nvSpPr>
+          <p:cNvPr id="155" name="Note: The data and information in this document is reflective of a hypothetical situation and client. This document is to be used for KPMG Virtual Internship purposes only."/>
+          <p:cNvSpPr/>
+          <p:nvPr/>
+        </p:nvSpPr>
+        <p:spPr>
+          <a:xfrm>
+            <a:off x="-6201" y="-6350"/>
+            <a:ext cx="9175601" cy="238700"/>
+          </a:xfrm>
+          <a:prstGeom prst="rect">
+            <a:avLst/>
+          </a:prstGeom>
+          <a:solidFill>
+            <a:schemeClr val="accent3"/>
+          </a:solidFill>
+          <a:ln w="12700">
+            <a:miter lim="400000"/>
+          </a:ln>
+          <a:extLst>
+            <a:ext uri="{C572A759-6A51-4108-AA02-DFA0A04FC94B}">
+              <ma14:wrappingTextBoxFlag xmlns="" xmlns:ma14="http://schemas.microsoft.com/office/mac/drawingml/2011/main" val="1"/>
+            </a:ext>
+          </a:extLst>
+        </p:spPr>
+        <p:txBody>
+          <a:bodyPr lIns="45719" rIns="45719" anchor="ctr"/>
+          <a:lstStyle/>
+          <a:p>
+            <a:pPr defTabSz="457200">
+              <a:defRPr sz="500" b="1">
+                <a:latin typeface="Calibri"/>
+                <a:ea typeface="Calibri"/>
+                <a:cs typeface="Calibri"/>
+                <a:sym typeface="Calibri"/>
+              </a:defRPr>
+            </a:pPr>
+            <a:r>
+              <a:t>       Note: </a:t>
+            </a:r>
+            <a:r>
+              <a:rPr b="0"/>
+              <a:t>The data and information in this document is reflective of a hypothetical situation and client. This document is to be used for KPMG Virtual Internship purposes only. </a:t>
+            </a:r>
+          </a:p>
+        </p:txBody>
+      </p:sp>
+      <p:pic>
+        <p:nvPicPr>
+          <p:cNvPr id="4" name="Picture 3">
+            <a:extLst>
+              <a:ext uri="{FF2B5EF4-FFF2-40B4-BE49-F238E27FC236}">
+                <a16:creationId xmlns:a16="http://schemas.microsoft.com/office/drawing/2014/main" id="{FF6231D7-BCB5-8F6A-BC74-ABBF5C22404D}"/>
+              </a:ext>
+            </a:extLst>
+          </p:cNvPr>
+          <p:cNvPicPr>
+            <a:picLocks noChangeAspect="1"/>
+          </p:cNvPicPr>
+          <p:nvPr/>
+        </p:nvPicPr>
+        <p:blipFill>
+          <a:blip r:embed="rId2">
+            <a:extLst>
+              <a:ext uri="{28A0092B-C50C-407E-A947-70E740481C1C}">
+                <a14:useLocalDpi xmlns:a14="http://schemas.microsoft.com/office/drawing/2010/main" val="0"/>
+              </a:ext>
+            </a:extLst>
+          </a:blip>
+          <a:stretch>
+            <a:fillRect/>
+          </a:stretch>
+        </p:blipFill>
+        <p:spPr>
+          <a:xfrm>
+            <a:off x="1607687" y="1341462"/>
+            <a:ext cx="5485714" cy="3657143"/>
+          </a:xfrm>
+          <a:prstGeom prst="rect">
+            <a:avLst/>
+          </a:prstGeom>
+        </p:spPr>
+      </p:pic>
+    </p:spTree>
+    <p:extLst>
+      <p:ext uri="{BB962C8B-B14F-4D97-AF65-F5344CB8AC3E}">
+        <p14:creationId xmlns:p14="http://schemas.microsoft.com/office/powerpoint/2010/main" val="2455282414"/>
+      </p:ext>
+    </p:extLst>
+  </p:cSld>
+  <p:clrMapOvr>
+    <a:masterClrMapping/>
+  </p:clrMapOvr>
+  <p:transition spd="med"/>
+</p:sld>
+</file>
+
+<file path=ppt/slides/slide21.xml><?xml version="1.0" encoding="utf-8"?>
+<p:sld xmlns:a="http://schemas.openxmlformats.org/drawingml/2006/main" xmlns:r="http://schemas.openxmlformats.org/officeDocument/2006/relationships" xmlns:p="http://schemas.openxmlformats.org/presentationml/2006/main">
+  <p:cSld>
+    <p:spTree>
+      <p:nvGrpSpPr>
+        <p:cNvPr id="1" name=""/>
+        <p:cNvGrpSpPr/>
+        <p:nvPr/>
+      </p:nvGrpSpPr>
+      <p:grpSpPr>
+        <a:xfrm>
+          <a:off x="0" y="0"/>
+          <a:ext cx="0" cy="0"/>
+          <a:chOff x="0" y="0"/>
+          <a:chExt cx="0" cy="0"/>
+        </a:xfrm>
+      </p:grpSpPr>
+      <p:sp>
+        <p:nvSpPr>
+          <p:cNvPr id="148" name="Shape 97"/>
+          <p:cNvSpPr/>
+          <p:nvPr/>
+        </p:nvSpPr>
+        <p:spPr>
+          <a:xfrm>
+            <a:off x="-15501" y="-19475"/>
+            <a:ext cx="9191402" cy="840000"/>
+          </a:xfrm>
+          <a:prstGeom prst="rect">
+            <a:avLst/>
+          </a:prstGeom>
+          <a:gradFill>
+            <a:gsLst>
+              <a:gs pos="0">
+                <a:srgbClr val="1077D2"/>
+              </a:gs>
+              <a:gs pos="100000">
+                <a:srgbClr val="093153"/>
+              </a:gs>
+            </a:gsLst>
+            <a:lin ang="12000143"/>
+          </a:gradFill>
+          <a:ln w="12700">
+            <a:miter lim="400000"/>
+          </a:ln>
+        </p:spPr>
+        <p:txBody>
+          <a:bodyPr lIns="45719" rIns="45719" anchor="ctr"/>
+          <a:lstStyle/>
+          <a:p>
+            <a:endParaRPr/>
+          </a:p>
+        </p:txBody>
+      </p:sp>
+      <p:sp>
+        <p:nvSpPr>
+          <p:cNvPr id="149" name="Shape 98"/>
+          <p:cNvSpPr/>
+          <p:nvPr/>
+        </p:nvSpPr>
+        <p:spPr>
+          <a:xfrm>
+            <a:off x="205025" y="263974"/>
+            <a:ext cx="8565600" cy="492410"/>
+          </a:xfrm>
+          <a:prstGeom prst="rect">
+            <a:avLst/>
+          </a:prstGeom>
+          <a:ln w="12700">
+            <a:miter lim="400000"/>
+          </a:ln>
+          <a:extLst>
+            <a:ext uri="{C572A759-6A51-4108-AA02-DFA0A04FC94B}">
+              <ma14:wrappingTextBoxFlag xmlns="" xmlns:ma14="http://schemas.microsoft.com/office/mac/drawingml/2011/main" val="1"/>
+            </a:ext>
+          </a:extLst>
+        </p:spPr>
+        <p:txBody>
+          <a:bodyPr lIns="91424" tIns="91424" rIns="91424" bIns="91424">
+            <a:spAutoFit/>
+          </a:bodyPr>
+          <a:lstStyle>
+            <a:lvl1pPr>
+              <a:defRPr sz="2000" b="1">
+                <a:solidFill>
+                  <a:srgbClr val="FFFFFF"/>
+                </a:solidFill>
+              </a:defRPr>
+            </a:lvl1pPr>
+          </a:lstStyle>
+          <a:p>
+            <a:r>
+              <a:rPr lang="en-IN" dirty="0"/>
+              <a:t>Model Development</a:t>
+            </a:r>
+          </a:p>
+        </p:txBody>
+      </p:sp>
+      <p:sp>
+        <p:nvSpPr>
+          <p:cNvPr id="150" name="Shape 99"/>
+          <p:cNvSpPr/>
+          <p:nvPr/>
+        </p:nvSpPr>
+        <p:spPr>
+          <a:xfrm>
+            <a:off x="205025" y="1083299"/>
+            <a:ext cx="8565600" cy="516327"/>
+          </a:xfrm>
+          <a:prstGeom prst="rect">
+            <a:avLst/>
+          </a:prstGeom>
+          <a:ln w="12700">
+            <a:miter lim="400000"/>
+          </a:ln>
+          <a:extLst>
+            <a:ext uri="{C572A759-6A51-4108-AA02-DFA0A04FC94B}">
+              <ma14:wrappingTextBoxFlag xmlns="" xmlns:ma14="http://schemas.microsoft.com/office/mac/drawingml/2011/main" val="1"/>
+            </a:ext>
+          </a:extLst>
+        </p:spPr>
+        <p:txBody>
+          <a:bodyPr lIns="91424" tIns="91424" rIns="91424" bIns="91424">
+            <a:spAutoFit/>
+          </a:bodyPr>
+          <a:lstStyle>
+            <a:lvl1pPr>
+              <a:lnSpc>
+                <a:spcPct val="115000"/>
+              </a:lnSpc>
+              <a:defRPr sz="2000" b="1">
+                <a:latin typeface="Open Sans"/>
+                <a:ea typeface="Open Sans"/>
+                <a:cs typeface="Open Sans"/>
+                <a:sym typeface="Open Sans"/>
+              </a:defRPr>
+            </a:lvl1pPr>
+          </a:lstStyle>
+          <a:p>
+            <a:r>
+              <a:rPr lang="en-GB" dirty="0"/>
+              <a:t>RFM Analysis</a:t>
+            </a:r>
+          </a:p>
+        </p:txBody>
+      </p:sp>
+      <p:sp>
+        <p:nvSpPr>
+          <p:cNvPr id="151" name="Shape 100"/>
+          <p:cNvSpPr/>
+          <p:nvPr/>
+        </p:nvSpPr>
+        <p:spPr>
+          <a:xfrm>
+            <a:off x="205025" y="1674593"/>
+            <a:ext cx="4134600" cy="2507321"/>
+          </a:xfrm>
+          <a:prstGeom prst="rect">
+            <a:avLst/>
+          </a:prstGeom>
+          <a:ln w="12700">
+            <a:miter lim="400000"/>
+          </a:ln>
+          <a:extLst>
+            <a:ext uri="{C572A759-6A51-4108-AA02-DFA0A04FC94B}">
+              <ma14:wrappingTextBoxFlag xmlns="" xmlns:ma14="http://schemas.microsoft.com/office/mac/drawingml/2011/main" val="1"/>
+            </a:ext>
+          </a:extLst>
+        </p:spPr>
+        <p:txBody>
+          <a:bodyPr lIns="91424" tIns="91424" rIns="91424" bIns="91424">
+            <a:spAutoFit/>
+          </a:bodyPr>
+          <a:lstStyle>
+            <a:lvl1pPr>
+              <a:lnSpc>
+                <a:spcPct val="115000"/>
+              </a:lnSpc>
+              <a:defRPr sz="1500">
+                <a:latin typeface="Open Sans"/>
+                <a:ea typeface="Open Sans"/>
+                <a:cs typeface="Open Sans"/>
+                <a:sym typeface="Open Sans"/>
+              </a:defRPr>
+            </a:lvl1pPr>
+          </a:lstStyle>
+          <a:p>
+            <a:pPr algn="just"/>
+            <a:r>
+              <a:rPr lang="en-GB" sz="1200" dirty="0"/>
+              <a:t>Based on the RFM Class, five customer tiers were identified:</a:t>
+            </a:r>
+          </a:p>
+          <a:p>
+            <a:pPr marL="628650" indent="-265113" algn="just">
+              <a:buFont typeface="+mj-lt"/>
+              <a:buAutoNum type="arabicPeriod"/>
+            </a:pPr>
+            <a:r>
+              <a:rPr lang="en-GB" sz="1200" dirty="0"/>
+              <a:t>Big Spenders: These customers have recently made a purchase, are frequent and are most profitable.</a:t>
+            </a:r>
+          </a:p>
+          <a:p>
+            <a:pPr marL="628650" indent="-265113" algn="just">
+              <a:buFont typeface="+mj-lt"/>
+              <a:buAutoNum type="arabicPeriod"/>
+            </a:pPr>
+            <a:r>
+              <a:rPr lang="en-GB" sz="1200" dirty="0"/>
+              <a:t>Loyal Customers </a:t>
+            </a:r>
+          </a:p>
+          <a:p>
+            <a:pPr marL="628650" indent="-265113" algn="just">
+              <a:buFont typeface="+mj-lt"/>
+              <a:buAutoNum type="arabicPeriod"/>
+            </a:pPr>
+            <a:r>
+              <a:rPr lang="en-GB" sz="1200" dirty="0"/>
+              <a:t>Gold Customers </a:t>
+            </a:r>
+          </a:p>
+          <a:p>
+            <a:pPr marL="628650" indent="-265113" algn="just">
+              <a:buFont typeface="+mj-lt"/>
+              <a:buAutoNum type="arabicPeriod"/>
+            </a:pPr>
+            <a:r>
+              <a:rPr lang="en-GB" sz="1200" dirty="0"/>
+              <a:t>Silver Customers </a:t>
+            </a:r>
+          </a:p>
+          <a:p>
+            <a:pPr marL="628650" indent="-265113" algn="just">
+              <a:buFont typeface="+mj-lt"/>
+              <a:buAutoNum type="arabicPeriod"/>
+            </a:pPr>
+            <a:r>
+              <a:rPr lang="en-GB" sz="1200" dirty="0"/>
+              <a:t>Low Level Customers: These customers have not made any recent purchase, are not frequent and do not contribute majorly.</a:t>
+            </a:r>
+          </a:p>
+        </p:txBody>
+      </p:sp>
+      <p:sp>
+        <p:nvSpPr>
+          <p:cNvPr id="155" name="Note: The data and information in this document is reflective of a hypothetical situation and client. This document is to be used for KPMG Virtual Internship purposes only."/>
+          <p:cNvSpPr/>
+          <p:nvPr/>
+        </p:nvSpPr>
+        <p:spPr>
+          <a:xfrm>
+            <a:off x="-6201" y="-6350"/>
+            <a:ext cx="9175601" cy="238700"/>
+          </a:xfrm>
+          <a:prstGeom prst="rect">
+            <a:avLst/>
+          </a:prstGeom>
+          <a:solidFill>
+            <a:schemeClr val="accent3"/>
+          </a:solidFill>
+          <a:ln w="12700">
+            <a:miter lim="400000"/>
+          </a:ln>
+          <a:extLst>
+            <a:ext uri="{C572A759-6A51-4108-AA02-DFA0A04FC94B}">
+              <ma14:wrappingTextBoxFlag xmlns="" xmlns:ma14="http://schemas.microsoft.com/office/mac/drawingml/2011/main" val="1"/>
+            </a:ext>
+          </a:extLst>
+        </p:spPr>
+        <p:txBody>
+          <a:bodyPr lIns="45719" rIns="45719" anchor="ctr"/>
+          <a:lstStyle/>
+          <a:p>
+            <a:pPr defTabSz="457200">
+              <a:defRPr sz="500" b="1">
+                <a:latin typeface="Calibri"/>
+                <a:ea typeface="Calibri"/>
+                <a:cs typeface="Calibri"/>
+                <a:sym typeface="Calibri"/>
+              </a:defRPr>
+            </a:pPr>
+            <a:r>
+              <a:t>       Note: </a:t>
+            </a:r>
+            <a:r>
+              <a:rPr b="0"/>
+              <a:t>The data and information in this document is reflective of a hypothetical situation and client. This document is to be used for KPMG Virtual Internship purposes only. </a:t>
+            </a:r>
+          </a:p>
+        </p:txBody>
+      </p:sp>
+      <p:pic>
+        <p:nvPicPr>
+          <p:cNvPr id="5" name="Picture 4">
+            <a:extLst>
+              <a:ext uri="{FF2B5EF4-FFF2-40B4-BE49-F238E27FC236}">
+                <a16:creationId xmlns:a16="http://schemas.microsoft.com/office/drawing/2014/main" id="{74AE15A0-BA74-C251-10B6-FF48C7E2AB81}"/>
+              </a:ext>
+            </a:extLst>
+          </p:cNvPr>
+          <p:cNvPicPr>
+            <a:picLocks noChangeAspect="1"/>
+          </p:cNvPicPr>
+          <p:nvPr/>
+        </p:nvPicPr>
+        <p:blipFill>
+          <a:blip r:embed="rId2" cstate="print">
+            <a:extLst>
+              <a:ext uri="{28A0092B-C50C-407E-A947-70E740481C1C}">
+                <a14:useLocalDpi xmlns:a14="http://schemas.microsoft.com/office/drawing/2010/main" val="0"/>
+              </a:ext>
+            </a:extLst>
+          </a:blip>
+          <a:stretch>
+            <a:fillRect/>
+          </a:stretch>
+        </p:blipFill>
+        <p:spPr>
+          <a:xfrm>
+            <a:off x="4466487" y="1764412"/>
+            <a:ext cx="4304138" cy="2295789"/>
+          </a:xfrm>
+          <a:prstGeom prst="rect">
+            <a:avLst/>
+          </a:prstGeom>
+        </p:spPr>
+      </p:pic>
+    </p:spTree>
+    <p:extLst>
+      <p:ext uri="{BB962C8B-B14F-4D97-AF65-F5344CB8AC3E}">
+        <p14:creationId xmlns:p14="http://schemas.microsoft.com/office/powerpoint/2010/main" val="3417483000"/>
+      </p:ext>
+    </p:extLst>
+  </p:cSld>
+  <p:clrMapOvr>
+    <a:masterClrMapping/>
+  </p:clrMapOvr>
+  <p:transition spd="med"/>
+</p:sld>
+</file>
+
+<file path=ppt/slides/slide22.xml><?xml version="1.0" encoding="utf-8"?>
+<p:sld xmlns:a="http://schemas.openxmlformats.org/drawingml/2006/main" xmlns:r="http://schemas.openxmlformats.org/officeDocument/2006/relationships" xmlns:p="http://schemas.openxmlformats.org/presentationml/2006/main">
+  <p:cSld>
+    <p:spTree>
+      <p:nvGrpSpPr>
+        <p:cNvPr id="1" name=""/>
+        <p:cNvGrpSpPr/>
+        <p:nvPr/>
+      </p:nvGrpSpPr>
+      <p:grpSpPr>
+        <a:xfrm>
+          <a:off x="0" y="0"/>
+          <a:ext cx="0" cy="0"/>
+          <a:chOff x="0" y="0"/>
+          <a:chExt cx="0" cy="0"/>
+        </a:xfrm>
+      </p:grpSpPr>
+      <p:sp>
+        <p:nvSpPr>
+          <p:cNvPr id="148" name="Shape 97"/>
+          <p:cNvSpPr/>
+          <p:nvPr/>
+        </p:nvSpPr>
+        <p:spPr>
+          <a:xfrm>
+            <a:off x="-15501" y="-19475"/>
+            <a:ext cx="9191402" cy="840000"/>
+          </a:xfrm>
+          <a:prstGeom prst="rect">
+            <a:avLst/>
+          </a:prstGeom>
+          <a:gradFill>
+            <a:gsLst>
+              <a:gs pos="0">
+                <a:srgbClr val="1077D2"/>
+              </a:gs>
+              <a:gs pos="100000">
+                <a:srgbClr val="093153"/>
+              </a:gs>
+            </a:gsLst>
+            <a:lin ang="12000143"/>
+          </a:gradFill>
+          <a:ln w="12700">
+            <a:miter lim="400000"/>
+          </a:ln>
+        </p:spPr>
+        <p:txBody>
+          <a:bodyPr lIns="45719" rIns="45719" anchor="ctr"/>
+          <a:lstStyle/>
+          <a:p>
+            <a:endParaRPr/>
+          </a:p>
+        </p:txBody>
+      </p:sp>
+      <p:sp>
+        <p:nvSpPr>
+          <p:cNvPr id="149" name="Shape 98"/>
+          <p:cNvSpPr/>
+          <p:nvPr/>
+        </p:nvSpPr>
+        <p:spPr>
+          <a:xfrm>
+            <a:off x="205025" y="263974"/>
+            <a:ext cx="8565600" cy="492410"/>
+          </a:xfrm>
+          <a:prstGeom prst="rect">
+            <a:avLst/>
+          </a:prstGeom>
+          <a:ln w="12700">
+            <a:miter lim="400000"/>
+          </a:ln>
+          <a:extLst>
+            <a:ext uri="{C572A759-6A51-4108-AA02-DFA0A04FC94B}">
+              <ma14:wrappingTextBoxFlag xmlns:ma14="http://schemas.microsoft.com/office/mac/drawingml/2011/main" xmlns="" val="1"/>
+            </a:ext>
+          </a:extLst>
+        </p:spPr>
+        <p:txBody>
+          <a:bodyPr lIns="91424" tIns="91424" rIns="91424" bIns="91424">
+            <a:spAutoFit/>
+          </a:bodyPr>
+          <a:lstStyle>
+            <a:lvl1pPr>
+              <a:defRPr sz="2000" b="1">
+                <a:solidFill>
+                  <a:srgbClr val="FFFFFF"/>
+                </a:solidFill>
+              </a:defRPr>
+            </a:lvl1pPr>
+          </a:lstStyle>
+          <a:p>
+            <a:r>
+              <a:rPr lang="en-IN" dirty="0"/>
+              <a:t>Interpretation</a:t>
+            </a:r>
+          </a:p>
+        </p:txBody>
+      </p:sp>
+      <p:sp>
+        <p:nvSpPr>
+          <p:cNvPr id="150" name="Shape 99"/>
+          <p:cNvSpPr/>
+          <p:nvPr/>
+        </p:nvSpPr>
+        <p:spPr>
+          <a:xfrm>
+            <a:off x="205025" y="1083299"/>
+            <a:ext cx="8565600" cy="516327"/>
+          </a:xfrm>
+          <a:prstGeom prst="rect">
+            <a:avLst/>
+          </a:prstGeom>
+          <a:ln w="12700">
+            <a:miter lim="400000"/>
+          </a:ln>
+          <a:extLst>
+            <a:ext uri="{C572A759-6A51-4108-AA02-DFA0A04FC94B}">
+              <ma14:wrappingTextBoxFlag xmlns:ma14="http://schemas.microsoft.com/office/mac/drawingml/2011/main" xmlns="" val="1"/>
+            </a:ext>
+          </a:extLst>
+        </p:spPr>
+        <p:txBody>
+          <a:bodyPr lIns="91424" tIns="91424" rIns="91424" bIns="91424">
+            <a:spAutoFit/>
+          </a:bodyPr>
+          <a:lstStyle>
+            <a:lvl1pPr>
+              <a:lnSpc>
+                <a:spcPct val="115000"/>
+              </a:lnSpc>
+              <a:defRPr sz="2000" b="1">
+                <a:latin typeface="Open Sans"/>
+                <a:ea typeface="Open Sans"/>
+                <a:cs typeface="Open Sans"/>
+                <a:sym typeface="Open Sans"/>
+              </a:defRPr>
+            </a:lvl1pPr>
+          </a:lstStyle>
+          <a:p>
+            <a:r>
+              <a:rPr lang="en-GB" dirty="0"/>
+              <a:t>RFM Analysis</a:t>
+            </a:r>
+          </a:p>
+        </p:txBody>
+      </p:sp>
+      <p:sp>
+        <p:nvSpPr>
+          <p:cNvPr id="155" name="Note: The data and information in this document is reflective of a hypothetical situation and client. This document is to be used for KPMG Virtual Internship purposes only."/>
+          <p:cNvSpPr/>
+          <p:nvPr/>
+        </p:nvSpPr>
+        <p:spPr>
+          <a:xfrm>
+            <a:off x="-6201" y="-6350"/>
+            <a:ext cx="9175601" cy="238700"/>
+          </a:xfrm>
+          <a:prstGeom prst="rect">
+            <a:avLst/>
+          </a:prstGeom>
+          <a:solidFill>
+            <a:schemeClr val="accent3"/>
+          </a:solidFill>
+          <a:ln w="12700">
+            <a:miter lim="400000"/>
+          </a:ln>
+          <a:extLst>
+            <a:ext uri="{C572A759-6A51-4108-AA02-DFA0A04FC94B}">
+              <ma14:wrappingTextBoxFlag xmlns:ma14="http://schemas.microsoft.com/office/mac/drawingml/2011/main" xmlns="" val="1"/>
+            </a:ext>
+          </a:extLst>
+        </p:spPr>
+        <p:txBody>
+          <a:bodyPr lIns="45719" rIns="45719" anchor="ctr"/>
+          <a:lstStyle/>
+          <a:p>
+            <a:pPr defTabSz="457200">
+              <a:defRPr sz="500" b="1">
+                <a:latin typeface="Calibri"/>
+                <a:ea typeface="Calibri"/>
+                <a:cs typeface="Calibri"/>
+                <a:sym typeface="Calibri"/>
+              </a:defRPr>
+            </a:pPr>
+            <a:r>
+              <a:t>       Note: </a:t>
+            </a:r>
+            <a:r>
+              <a:rPr b="0"/>
+              <a:t>The data and information in this document is reflective of a hypothetical situation and client. This document is to be used for KPMG Virtual Internship purposes only. </a:t>
+            </a:r>
+          </a:p>
+        </p:txBody>
+      </p:sp>
+      <p:pic>
+        <p:nvPicPr>
+          <p:cNvPr id="3" name="Picture 2">
+            <a:extLst>
+              <a:ext uri="{FF2B5EF4-FFF2-40B4-BE49-F238E27FC236}">
+                <a16:creationId xmlns:a16="http://schemas.microsoft.com/office/drawing/2014/main" id="{3D7F0AF0-6B91-E562-9C47-DBCF94945D67}"/>
+              </a:ext>
+            </a:extLst>
+          </p:cNvPr>
+          <p:cNvPicPr>
+            <a:picLocks noChangeAspect="1"/>
+          </p:cNvPicPr>
+          <p:nvPr/>
+        </p:nvPicPr>
+        <p:blipFill>
+          <a:blip r:embed="rId2" cstate="print">
+            <a:extLst>
+              <a:ext uri="{28A0092B-C50C-407E-A947-70E740481C1C}">
+                <a14:useLocalDpi xmlns:a14="http://schemas.microsoft.com/office/drawing/2010/main" val="0"/>
+              </a:ext>
+            </a:extLst>
+          </a:blip>
+          <a:stretch>
+            <a:fillRect/>
+          </a:stretch>
+        </p:blipFill>
+        <p:spPr>
+          <a:xfrm>
+            <a:off x="1476702" y="1660280"/>
+            <a:ext cx="6190595" cy="3219246"/>
+          </a:xfrm>
+          <a:prstGeom prst="rect">
+            <a:avLst/>
+          </a:prstGeom>
+        </p:spPr>
+      </p:pic>
+    </p:spTree>
+    <p:extLst>
+      <p:ext uri="{BB962C8B-B14F-4D97-AF65-F5344CB8AC3E}">
+        <p14:creationId xmlns:p14="http://schemas.microsoft.com/office/powerpoint/2010/main" val="2537356180"/>
+      </p:ext>
+    </p:extLst>
+  </p:cSld>
+  <p:clrMapOvr>
+    <a:masterClrMapping/>
+  </p:clrMapOvr>
+  <p:transition spd="med"/>
+</p:sld>
+</file>
+
+<file path=ppt/slides/slide23.xml><?xml version="1.0" encoding="utf-8"?>
+<p:sld xmlns:a="http://schemas.openxmlformats.org/drawingml/2006/main" xmlns:r="http://schemas.openxmlformats.org/officeDocument/2006/relationships" xmlns:p="http://schemas.openxmlformats.org/presentationml/2006/main">
+  <p:cSld>
+    <p:spTree>
+      <p:nvGrpSpPr>
+        <p:cNvPr id="1" name=""/>
+        <p:cNvGrpSpPr/>
+        <p:nvPr/>
+      </p:nvGrpSpPr>
+      <p:grpSpPr>
+        <a:xfrm>
+          <a:off x="0" y="0"/>
+          <a:ext cx="0" cy="0"/>
+          <a:chOff x="0" y="0"/>
+          <a:chExt cx="0" cy="0"/>
+        </a:xfrm>
+      </p:grpSpPr>
+      <p:sp>
+        <p:nvSpPr>
+          <p:cNvPr id="148" name="Shape 97"/>
+          <p:cNvSpPr/>
+          <p:nvPr/>
+        </p:nvSpPr>
+        <p:spPr>
+          <a:xfrm>
+            <a:off x="-15501" y="-19475"/>
+            <a:ext cx="9191402" cy="840000"/>
+          </a:xfrm>
+          <a:prstGeom prst="rect">
+            <a:avLst/>
+          </a:prstGeom>
+          <a:gradFill>
+            <a:gsLst>
+              <a:gs pos="0">
+                <a:srgbClr val="1077D2"/>
+              </a:gs>
+              <a:gs pos="100000">
+                <a:srgbClr val="093153"/>
+              </a:gs>
+            </a:gsLst>
+            <a:lin ang="12000143"/>
+          </a:gradFill>
+          <a:ln w="12700">
+            <a:miter lim="400000"/>
+          </a:ln>
+        </p:spPr>
+        <p:txBody>
+          <a:bodyPr lIns="45719" rIns="45719" anchor="ctr"/>
+          <a:lstStyle/>
+          <a:p>
+            <a:endParaRPr/>
+          </a:p>
+        </p:txBody>
+      </p:sp>
+      <p:sp>
+        <p:nvSpPr>
+          <p:cNvPr id="149" name="Shape 98"/>
+          <p:cNvSpPr/>
+          <p:nvPr/>
+        </p:nvSpPr>
+        <p:spPr>
+          <a:xfrm>
+            <a:off x="205025" y="263974"/>
+            <a:ext cx="8565600" cy="492410"/>
+          </a:xfrm>
+          <a:prstGeom prst="rect">
+            <a:avLst/>
+          </a:prstGeom>
+          <a:ln w="12700">
+            <a:miter lim="400000"/>
+          </a:ln>
+          <a:extLst>
+            <a:ext uri="{C572A759-6A51-4108-AA02-DFA0A04FC94B}">
+              <ma14:wrappingTextBoxFlag xmlns="" xmlns:ma14="http://schemas.microsoft.com/office/mac/drawingml/2011/main" val="1"/>
+            </a:ext>
+          </a:extLst>
+        </p:spPr>
+        <p:txBody>
+          <a:bodyPr lIns="91424" tIns="91424" rIns="91424" bIns="91424">
+            <a:spAutoFit/>
+          </a:bodyPr>
+          <a:lstStyle>
+            <a:lvl1pPr>
+              <a:defRPr sz="2000" b="1">
+                <a:solidFill>
+                  <a:srgbClr val="FFFFFF"/>
+                </a:solidFill>
+              </a:defRPr>
+            </a:lvl1pPr>
+          </a:lstStyle>
+          <a:p>
+            <a:r>
+              <a:rPr lang="en-IN" dirty="0"/>
+              <a:t>Interpretation</a:t>
+            </a:r>
+          </a:p>
+        </p:txBody>
+      </p:sp>
+      <p:sp>
+        <p:nvSpPr>
+          <p:cNvPr id="150" name="Shape 99"/>
+          <p:cNvSpPr/>
+          <p:nvPr/>
+        </p:nvSpPr>
+        <p:spPr>
+          <a:xfrm>
+            <a:off x="205025" y="1083299"/>
+            <a:ext cx="8565600" cy="516327"/>
+          </a:xfrm>
+          <a:prstGeom prst="rect">
+            <a:avLst/>
+          </a:prstGeom>
+          <a:ln w="12700">
+            <a:miter lim="400000"/>
+          </a:ln>
+          <a:extLst>
+            <a:ext uri="{C572A759-6A51-4108-AA02-DFA0A04FC94B}">
+              <ma14:wrappingTextBoxFlag xmlns="" xmlns:ma14="http://schemas.microsoft.com/office/mac/drawingml/2011/main" val="1"/>
+            </a:ext>
+          </a:extLst>
+        </p:spPr>
+        <p:txBody>
+          <a:bodyPr lIns="91424" tIns="91424" rIns="91424" bIns="91424">
+            <a:spAutoFit/>
+          </a:bodyPr>
+          <a:lstStyle>
+            <a:lvl1pPr>
+              <a:lnSpc>
+                <a:spcPct val="115000"/>
+              </a:lnSpc>
+              <a:defRPr sz="2000" b="1">
+                <a:latin typeface="Open Sans"/>
+                <a:ea typeface="Open Sans"/>
+                <a:cs typeface="Open Sans"/>
+                <a:sym typeface="Open Sans"/>
+              </a:defRPr>
+            </a:lvl1pPr>
+          </a:lstStyle>
+          <a:p>
+            <a:r>
+              <a:rPr lang="en-GB" dirty="0"/>
+              <a:t>RFM Analysis</a:t>
+            </a:r>
+          </a:p>
+        </p:txBody>
+      </p:sp>
+      <p:sp>
+        <p:nvSpPr>
+          <p:cNvPr id="155" name="Note: The data and information in this document is reflective of a hypothetical situation and client. This document is to be used for KPMG Virtual Internship purposes only."/>
+          <p:cNvSpPr/>
+          <p:nvPr/>
+        </p:nvSpPr>
+        <p:spPr>
+          <a:xfrm>
+            <a:off x="-6201" y="-6350"/>
+            <a:ext cx="9175601" cy="238700"/>
+          </a:xfrm>
+          <a:prstGeom prst="rect">
+            <a:avLst/>
+          </a:prstGeom>
+          <a:solidFill>
+            <a:schemeClr val="accent3"/>
+          </a:solidFill>
+          <a:ln w="12700">
+            <a:miter lim="400000"/>
+          </a:ln>
+          <a:extLst>
+            <a:ext uri="{C572A759-6A51-4108-AA02-DFA0A04FC94B}">
+              <ma14:wrappingTextBoxFlag xmlns="" xmlns:ma14="http://schemas.microsoft.com/office/mac/drawingml/2011/main" val="1"/>
+            </a:ext>
+          </a:extLst>
+        </p:spPr>
+        <p:txBody>
+          <a:bodyPr lIns="45719" rIns="45719" anchor="ctr"/>
+          <a:lstStyle/>
+          <a:p>
+            <a:pPr defTabSz="457200">
+              <a:defRPr sz="500" b="1">
+                <a:latin typeface="Calibri"/>
+                <a:ea typeface="Calibri"/>
+                <a:cs typeface="Calibri"/>
+                <a:sym typeface="Calibri"/>
+              </a:defRPr>
+            </a:pPr>
+            <a:r>
+              <a:t>       Note: </a:t>
+            </a:r>
+            <a:r>
+              <a:rPr b="0"/>
+              <a:t>The data and information in this document is reflective of a hypothetical situation and client. This document is to be used for KPMG Virtual Internship purposes only. </a:t>
+            </a:r>
+          </a:p>
+        </p:txBody>
+      </p:sp>
+      <p:pic>
+        <p:nvPicPr>
+          <p:cNvPr id="3" name="Picture 2">
+            <a:extLst>
+              <a:ext uri="{FF2B5EF4-FFF2-40B4-BE49-F238E27FC236}">
+                <a16:creationId xmlns:a16="http://schemas.microsoft.com/office/drawing/2014/main" id="{1D1D73DE-55A8-BF35-B504-EFEDC5119A65}"/>
+              </a:ext>
+            </a:extLst>
+          </p:cNvPr>
+          <p:cNvPicPr>
+            <a:picLocks noChangeAspect="1"/>
+          </p:cNvPicPr>
+          <p:nvPr/>
+        </p:nvPicPr>
+        <p:blipFill>
+          <a:blip r:embed="rId2" cstate="print">
+            <a:extLst>
+              <a:ext uri="{28A0092B-C50C-407E-A947-70E740481C1C}">
+                <a14:useLocalDpi xmlns:a14="http://schemas.microsoft.com/office/drawing/2010/main" val="0"/>
+              </a:ext>
+            </a:extLst>
+          </a:blip>
+          <a:stretch>
+            <a:fillRect/>
+          </a:stretch>
+        </p:blipFill>
+        <p:spPr>
+          <a:xfrm>
+            <a:off x="1438468" y="1535906"/>
+            <a:ext cx="6283464" cy="3529012"/>
+          </a:xfrm>
+          <a:prstGeom prst="rect">
+            <a:avLst/>
+          </a:prstGeom>
+        </p:spPr>
+      </p:pic>
+    </p:spTree>
+    <p:extLst>
+      <p:ext uri="{BB962C8B-B14F-4D97-AF65-F5344CB8AC3E}">
+        <p14:creationId xmlns:p14="http://schemas.microsoft.com/office/powerpoint/2010/main" val="4027655898"/>
+      </p:ext>
+    </p:extLst>
+  </p:cSld>
+  <p:clrMapOvr>
+    <a:masterClrMapping/>
+  </p:clrMapOvr>
+  <p:transition spd="med"/>
+</p:sld>
+</file>
+
+<file path=ppt/slides/slide24.xml><?xml version="1.0" encoding="utf-8"?>
+<p:sld xmlns:a="http://schemas.openxmlformats.org/drawingml/2006/main" xmlns:r="http://schemas.openxmlformats.org/officeDocument/2006/relationships" xmlns:p="http://schemas.openxmlformats.org/presentationml/2006/main">
+  <p:cSld>
+    <p:spTree>
+      <p:nvGrpSpPr>
+        <p:cNvPr id="1" name=""/>
+        <p:cNvGrpSpPr/>
+        <p:nvPr/>
+      </p:nvGrpSpPr>
+      <p:grpSpPr>
+        <a:xfrm>
+          <a:off x="0" y="0"/>
+          <a:ext cx="0" cy="0"/>
+          <a:chOff x="0" y="0"/>
+          <a:chExt cx="0" cy="0"/>
+        </a:xfrm>
+      </p:grpSpPr>
+      <p:sp>
+        <p:nvSpPr>
+          <p:cNvPr id="148" name="Shape 97"/>
+          <p:cNvSpPr/>
+          <p:nvPr/>
+        </p:nvSpPr>
+        <p:spPr>
+          <a:xfrm>
+            <a:off x="-15501" y="-19475"/>
+            <a:ext cx="9191402" cy="840000"/>
+          </a:xfrm>
+          <a:prstGeom prst="rect">
+            <a:avLst/>
+          </a:prstGeom>
+          <a:gradFill>
+            <a:gsLst>
+              <a:gs pos="0">
+                <a:srgbClr val="1077D2"/>
+              </a:gs>
+              <a:gs pos="100000">
+                <a:srgbClr val="093153"/>
+              </a:gs>
+            </a:gsLst>
+            <a:lin ang="12000143"/>
+          </a:gradFill>
+          <a:ln w="12700">
+            <a:miter lim="400000"/>
+          </a:ln>
+        </p:spPr>
+        <p:txBody>
+          <a:bodyPr lIns="45719" rIns="45719" anchor="ctr"/>
+          <a:lstStyle/>
+          <a:p>
+            <a:endParaRPr/>
+          </a:p>
+        </p:txBody>
+      </p:sp>
+      <p:sp>
+        <p:nvSpPr>
+          <p:cNvPr id="149" name="Shape 98"/>
+          <p:cNvSpPr/>
+          <p:nvPr/>
+        </p:nvSpPr>
+        <p:spPr>
+          <a:xfrm>
+            <a:off x="205025" y="263974"/>
+            <a:ext cx="8565600" cy="492410"/>
+          </a:xfrm>
+          <a:prstGeom prst="rect">
+            <a:avLst/>
+          </a:prstGeom>
+          <a:ln w="12700">
+            <a:miter lim="400000"/>
+          </a:ln>
+          <a:extLst>
+            <a:ext uri="{C572A759-6A51-4108-AA02-DFA0A04FC94B}">
+              <ma14:wrappingTextBoxFlag xmlns:ma14="http://schemas.microsoft.com/office/mac/drawingml/2011/main" xmlns="" val="1"/>
+            </a:ext>
+          </a:extLst>
+        </p:spPr>
+        <p:txBody>
+          <a:bodyPr lIns="91424" tIns="91424" rIns="91424" bIns="91424">
+            <a:spAutoFit/>
+          </a:bodyPr>
+          <a:lstStyle>
+            <a:lvl1pPr>
+              <a:defRPr sz="2000" b="1">
+                <a:solidFill>
+                  <a:srgbClr val="FFFFFF"/>
+                </a:solidFill>
+              </a:defRPr>
+            </a:lvl1pPr>
+          </a:lstStyle>
+          <a:p>
+            <a:r>
+              <a:rPr lang="en-IN" dirty="0"/>
+              <a:t>Interpretation</a:t>
+            </a:r>
+          </a:p>
+        </p:txBody>
+      </p:sp>
+      <p:sp>
+        <p:nvSpPr>
+          <p:cNvPr id="150" name="Shape 99"/>
+          <p:cNvSpPr/>
+          <p:nvPr/>
+        </p:nvSpPr>
+        <p:spPr>
+          <a:xfrm>
+            <a:off x="205025" y="1083299"/>
+            <a:ext cx="8565600" cy="516327"/>
+          </a:xfrm>
+          <a:prstGeom prst="rect">
+            <a:avLst/>
+          </a:prstGeom>
+          <a:ln w="12700">
+            <a:miter lim="400000"/>
+          </a:ln>
+          <a:extLst>
+            <a:ext uri="{C572A759-6A51-4108-AA02-DFA0A04FC94B}">
+              <ma14:wrappingTextBoxFlag xmlns:ma14="http://schemas.microsoft.com/office/mac/drawingml/2011/main" xmlns="" val="1"/>
+            </a:ext>
+          </a:extLst>
+        </p:spPr>
+        <p:txBody>
+          <a:bodyPr lIns="91424" tIns="91424" rIns="91424" bIns="91424">
+            <a:spAutoFit/>
+          </a:bodyPr>
+          <a:lstStyle>
+            <a:lvl1pPr>
+              <a:lnSpc>
+                <a:spcPct val="115000"/>
+              </a:lnSpc>
+              <a:defRPr sz="2000" b="1">
+                <a:latin typeface="Open Sans"/>
+                <a:ea typeface="Open Sans"/>
+                <a:cs typeface="Open Sans"/>
+                <a:sym typeface="Open Sans"/>
+              </a:defRPr>
+            </a:lvl1pPr>
+          </a:lstStyle>
+          <a:p>
+            <a:r>
+              <a:rPr lang="en-IN" dirty="0"/>
+              <a:t>Targeting Methodology</a:t>
+            </a:r>
+          </a:p>
+        </p:txBody>
+      </p:sp>
+      <p:sp>
+        <p:nvSpPr>
+          <p:cNvPr id="151" name="Shape 100"/>
+          <p:cNvSpPr/>
+          <p:nvPr/>
+        </p:nvSpPr>
+        <p:spPr>
+          <a:xfrm>
+            <a:off x="205025" y="1674593"/>
+            <a:ext cx="4134600" cy="951062"/>
+          </a:xfrm>
+          <a:prstGeom prst="rect">
+            <a:avLst/>
+          </a:prstGeom>
+          <a:ln w="12700">
+            <a:miter lim="400000"/>
+          </a:ln>
+          <a:extLst>
+            <a:ext uri="{C572A759-6A51-4108-AA02-DFA0A04FC94B}">
+              <ma14:wrappingTextBoxFlag xmlns:ma14="http://schemas.microsoft.com/office/mac/drawingml/2011/main" xmlns="" val="1"/>
+            </a:ext>
+          </a:extLst>
+        </p:spPr>
+        <p:txBody>
+          <a:bodyPr lIns="91424" tIns="91424" rIns="91424" bIns="91424">
+            <a:spAutoFit/>
+          </a:bodyPr>
+          <a:lstStyle>
+            <a:lvl1pPr>
+              <a:lnSpc>
+                <a:spcPct val="115000"/>
+              </a:lnSpc>
+              <a:defRPr sz="1500">
+                <a:latin typeface="Open Sans"/>
+                <a:ea typeface="Open Sans"/>
+                <a:cs typeface="Open Sans"/>
+                <a:sym typeface="Open Sans"/>
+              </a:defRPr>
+            </a:lvl1pPr>
+          </a:lstStyle>
+          <a:p>
+            <a:pPr marL="285750" indent="-285750" algn="just">
+              <a:buFont typeface="Arial" panose="020B0604020202020204" pitchFamily="34" charset="0"/>
+              <a:buChar char="•"/>
+            </a:pPr>
+            <a:r>
+              <a:rPr lang="en-GB" sz="1100" dirty="0"/>
+              <a:t>Customers having high RFM Scores can be filtered and targeted.</a:t>
+            </a:r>
+          </a:p>
+          <a:p>
+            <a:pPr marL="285750" indent="-285750" algn="just">
+              <a:buFont typeface="Arial" panose="020B0604020202020204" pitchFamily="34" charset="0"/>
+              <a:buChar char="•"/>
+            </a:pPr>
+            <a:r>
+              <a:rPr lang="en-GB" sz="1100" dirty="0"/>
+              <a:t>The customers have made recent purchases, are frequent, and drive the most profits.</a:t>
+            </a:r>
+          </a:p>
+        </p:txBody>
+      </p:sp>
+      <p:sp>
+        <p:nvSpPr>
+          <p:cNvPr id="155" name="Note: The data and information in this document is reflective of a hypothetical situation and client. This document is to be used for KPMG Virtual Internship purposes only."/>
+          <p:cNvSpPr/>
+          <p:nvPr/>
+        </p:nvSpPr>
+        <p:spPr>
+          <a:xfrm>
+            <a:off x="-6201" y="-6350"/>
+            <a:ext cx="9175601" cy="238700"/>
+          </a:xfrm>
+          <a:prstGeom prst="rect">
+            <a:avLst/>
+          </a:prstGeom>
+          <a:solidFill>
+            <a:schemeClr val="accent3"/>
+          </a:solidFill>
+          <a:ln w="12700">
+            <a:miter lim="400000"/>
+          </a:ln>
+          <a:extLst>
+            <a:ext uri="{C572A759-6A51-4108-AA02-DFA0A04FC94B}">
+              <ma14:wrappingTextBoxFlag xmlns:ma14="http://schemas.microsoft.com/office/mac/drawingml/2011/main" xmlns="" val="1"/>
+            </a:ext>
+          </a:extLst>
+        </p:spPr>
+        <p:txBody>
+          <a:bodyPr lIns="45719" rIns="45719" anchor="ctr"/>
+          <a:lstStyle/>
+          <a:p>
+            <a:pPr defTabSz="457200">
+              <a:defRPr sz="500" b="1">
+                <a:latin typeface="Calibri"/>
+                <a:ea typeface="Calibri"/>
+                <a:cs typeface="Calibri"/>
+                <a:sym typeface="Calibri"/>
+              </a:defRPr>
+            </a:pPr>
+            <a:r>
+              <a:t>       Note: </a:t>
+            </a:r>
+            <a:r>
+              <a:rPr b="0"/>
+              <a:t>The data and information in this document is reflective of a hypothetical situation and client. This document is to be used for KPMG Virtual Internship purposes only. </a:t>
+            </a:r>
+          </a:p>
+        </p:txBody>
+      </p:sp>
+    </p:spTree>
+    <p:extLst>
+      <p:ext uri="{BB962C8B-B14F-4D97-AF65-F5344CB8AC3E}">
+        <p14:creationId xmlns:p14="http://schemas.microsoft.com/office/powerpoint/2010/main" val="26650713"/>
+      </p:ext>
+    </p:extLst>
+  </p:cSld>
+  <p:clrMapOvr>
+    <a:masterClrMapping/>
+  </p:clrMapOvr>
+  <p:transition spd="med"/>
+</p:sld>
+</file>
+
+<file path=ppt/slides/slide25.xml><?xml version="1.0" encoding="utf-8"?>
 <p:sld xmlns:a="http://schemas.openxmlformats.org/drawingml/2006/main" xmlns:r="http://schemas.openxmlformats.org/officeDocument/2006/relationships" xmlns:p="http://schemas.openxmlformats.org/presentationml/2006/main">
   <p:cSld>
     <p:spTree>
@@ -6106,7 +8406,7 @@
 </p:sld>
 </file>
 
-<file path=ppt/slides/slide19.xml><?xml version="1.0" encoding="utf-8"?>
+<file path=ppt/slides/slide26.xml><?xml version="1.0" encoding="utf-8"?>
 <p:sld xmlns:a="http://schemas.openxmlformats.org/drawingml/2006/main" xmlns:r="http://schemas.openxmlformats.org/officeDocument/2006/relationships" xmlns:p="http://schemas.openxmlformats.org/presentationml/2006/main">
   <p:cSld>
     <p:spTree>
@@ -6257,274 +8557,6 @@
       <p:sp>
         <p:nvSpPr>
           <p:cNvPr id="164" name="Note: The data and information in this document is reflective of a hypothetical situation and client. This document is to be used for KPMG Virtual Internship purposes only."/>
-          <p:cNvSpPr/>
-          <p:nvPr/>
-        </p:nvSpPr>
-        <p:spPr>
-          <a:xfrm>
-            <a:off x="-6201" y="-6350"/>
-            <a:ext cx="9175601" cy="238700"/>
-          </a:xfrm>
-          <a:prstGeom prst="rect">
-            <a:avLst/>
-          </a:prstGeom>
-          <a:solidFill>
-            <a:schemeClr val="accent3"/>
-          </a:solidFill>
-          <a:ln w="12700">
-            <a:miter lim="400000"/>
-          </a:ln>
-          <a:extLst>
-            <a:ext uri="{C572A759-6A51-4108-AA02-DFA0A04FC94B}">
-              <ma14:wrappingTextBoxFlag xmlns="" xmlns:ma14="http://schemas.microsoft.com/office/mac/drawingml/2011/main" val="1"/>
-            </a:ext>
-          </a:extLst>
-        </p:spPr>
-        <p:txBody>
-          <a:bodyPr lIns="45719" rIns="45719" anchor="ctr"/>
-          <a:lstStyle/>
-          <a:p>
-            <a:pPr defTabSz="457200">
-              <a:defRPr sz="500" b="1">
-                <a:latin typeface="Calibri"/>
-                <a:ea typeface="Calibri"/>
-                <a:cs typeface="Calibri"/>
-                <a:sym typeface="Calibri"/>
-              </a:defRPr>
-            </a:pPr>
-            <a:r>
-              <a:t>       Note: </a:t>
-            </a:r>
-            <a:r>
-              <a:rPr b="0"/>
-              <a:t>The data and information in this document is reflective of a hypothetical situation and client. This document is to be used for KPMG Virtual Internship purposes only. </a:t>
-            </a:r>
-          </a:p>
-        </p:txBody>
-      </p:sp>
-    </p:spTree>
-  </p:cSld>
-  <p:clrMapOvr>
-    <a:masterClrMapping/>
-  </p:clrMapOvr>
-  <p:transition spd="med"/>
-</p:sld>
-</file>
-
-<file path=ppt/slides/slide2.xml><?xml version="1.0" encoding="utf-8"?>
-<p:sld xmlns:a="http://schemas.openxmlformats.org/drawingml/2006/main" xmlns:r="http://schemas.openxmlformats.org/officeDocument/2006/relationships" xmlns:p="http://schemas.openxmlformats.org/presentationml/2006/main">
-  <p:cSld>
-    <p:spTree>
-      <p:nvGrpSpPr>
-        <p:cNvPr id="1" name=""/>
-        <p:cNvGrpSpPr/>
-        <p:nvPr/>
-      </p:nvGrpSpPr>
-      <p:grpSpPr>
-        <a:xfrm>
-          <a:off x="0" y="0"/>
-          <a:ext cx="0" cy="0"/>
-          <a:chOff x="0" y="0"/>
-          <a:chExt cx="0" cy="0"/>
-        </a:xfrm>
-      </p:grpSpPr>
-      <p:sp>
-        <p:nvSpPr>
-          <p:cNvPr id="116" name="Shape 63"/>
-          <p:cNvSpPr/>
-          <p:nvPr/>
-        </p:nvSpPr>
-        <p:spPr>
-          <a:xfrm>
-            <a:off x="-15501" y="-19475"/>
-            <a:ext cx="9191402" cy="840000"/>
-          </a:xfrm>
-          <a:prstGeom prst="rect">
-            <a:avLst/>
-          </a:prstGeom>
-          <a:gradFill>
-            <a:gsLst>
-              <a:gs pos="0">
-                <a:srgbClr val="1077D2"/>
-              </a:gs>
-              <a:gs pos="100000">
-                <a:srgbClr val="093153"/>
-              </a:gs>
-            </a:gsLst>
-            <a:lin ang="12000143"/>
-          </a:gradFill>
-          <a:ln w="12700">
-            <a:miter lim="400000"/>
-          </a:ln>
-        </p:spPr>
-        <p:txBody>
-          <a:bodyPr lIns="45719" rIns="45719" anchor="ctr"/>
-          <a:lstStyle/>
-          <a:p>
-            <a:endParaRPr/>
-          </a:p>
-        </p:txBody>
-      </p:sp>
-      <p:sp>
-        <p:nvSpPr>
-          <p:cNvPr id="117" name="Shape 64"/>
-          <p:cNvSpPr/>
-          <p:nvPr/>
-        </p:nvSpPr>
-        <p:spPr>
-          <a:xfrm>
-            <a:off x="205025" y="263974"/>
-            <a:ext cx="8565600" cy="466642"/>
-          </a:xfrm>
-          <a:prstGeom prst="rect">
-            <a:avLst/>
-          </a:prstGeom>
-          <a:ln w="12700">
-            <a:miter lim="400000"/>
-          </a:ln>
-          <a:extLst>
-            <a:ext uri="{C572A759-6A51-4108-AA02-DFA0A04FC94B}">
-              <ma14:wrappingTextBoxFlag xmlns="" xmlns:ma14="http://schemas.microsoft.com/office/mac/drawingml/2011/main" val="1"/>
-            </a:ext>
-          </a:extLst>
-        </p:spPr>
-        <p:txBody>
-          <a:bodyPr lIns="91424" tIns="91424" rIns="91424" bIns="91424">
-            <a:spAutoFit/>
-          </a:bodyPr>
-          <a:lstStyle>
-            <a:lvl1pPr>
-              <a:defRPr sz="2000" b="1">
-                <a:solidFill>
-                  <a:srgbClr val="FFFFFF"/>
-                </a:solidFill>
-              </a:defRPr>
-            </a:lvl1pPr>
-          </a:lstStyle>
-          <a:p>
-            <a:r>
-              <a:t>Agenda</a:t>
-            </a:r>
-          </a:p>
-        </p:txBody>
-      </p:sp>
-      <p:sp>
-        <p:nvSpPr>
-          <p:cNvPr id="118" name="Shape 65"/>
-          <p:cNvSpPr/>
-          <p:nvPr/>
-        </p:nvSpPr>
-        <p:spPr>
-          <a:xfrm>
-            <a:off x="343874" y="1211200"/>
-            <a:ext cx="5459402" cy="1708756"/>
-          </a:xfrm>
-          <a:prstGeom prst="rect">
-            <a:avLst/>
-          </a:prstGeom>
-          <a:ln w="12700">
-            <a:miter lim="400000"/>
-          </a:ln>
-          <a:extLst>
-            <a:ext uri="{C572A759-6A51-4108-AA02-DFA0A04FC94B}">
-              <ma14:wrappingTextBoxFlag xmlns="" xmlns:ma14="http://schemas.microsoft.com/office/mac/drawingml/2011/main" val="1"/>
-            </a:ext>
-          </a:extLst>
-        </p:spPr>
-        <p:txBody>
-          <a:bodyPr lIns="91424" tIns="91424" rIns="91424" bIns="91424">
-            <a:spAutoFit/>
-          </a:bodyPr>
-          <a:lstStyle/>
-          <a:p>
-            <a:pPr marL="457200" indent="-355600">
-              <a:lnSpc>
-                <a:spcPct val="115000"/>
-              </a:lnSpc>
-              <a:buClr>
-                <a:srgbClr val="000000"/>
-              </a:buClr>
-              <a:buSzPts val="2000"/>
-              <a:buAutoNum type="arabicPeriod"/>
-              <a:defRPr sz="2000">
-                <a:latin typeface="Open Sans"/>
-                <a:ea typeface="Open Sans"/>
-                <a:cs typeface="Open Sans"/>
-                <a:sym typeface="Open Sans"/>
-              </a:defRPr>
-            </a:pPr>
-            <a:r>
-              <a:t>Introduction</a:t>
-            </a:r>
-          </a:p>
-          <a:p>
-            <a:pPr marL="457200" indent="-355600">
-              <a:lnSpc>
-                <a:spcPct val="115000"/>
-              </a:lnSpc>
-              <a:buClr>
-                <a:srgbClr val="000000"/>
-              </a:buClr>
-              <a:buSzPts val="2000"/>
-              <a:buAutoNum type="arabicPeriod"/>
-              <a:defRPr sz="2000">
-                <a:latin typeface="Open Sans"/>
-                <a:ea typeface="Open Sans"/>
-                <a:cs typeface="Open Sans"/>
-                <a:sym typeface="Open Sans"/>
-              </a:defRPr>
-            </a:pPr>
-            <a:r>
-              <a:t>Data Exploration</a:t>
-            </a:r>
-          </a:p>
-          <a:p>
-            <a:pPr marL="457200" indent="-355600">
-              <a:lnSpc>
-                <a:spcPct val="115000"/>
-              </a:lnSpc>
-              <a:buClr>
-                <a:srgbClr val="000000"/>
-              </a:buClr>
-              <a:buSzPts val="2000"/>
-              <a:buAutoNum type="arabicPeriod"/>
-              <a:defRPr sz="2000">
-                <a:latin typeface="Open Sans"/>
-                <a:ea typeface="Open Sans"/>
-                <a:cs typeface="Open Sans"/>
-                <a:sym typeface="Open Sans"/>
-              </a:defRPr>
-            </a:pPr>
-            <a:r>
-              <a:t>Model Development</a:t>
-            </a:r>
-          </a:p>
-          <a:p>
-            <a:pPr marL="457200" indent="-355600">
-              <a:lnSpc>
-                <a:spcPct val="115000"/>
-              </a:lnSpc>
-              <a:buClr>
-                <a:srgbClr val="000000"/>
-              </a:buClr>
-              <a:buSzPts val="2000"/>
-              <a:buAutoNum type="arabicPeriod"/>
-              <a:defRPr sz="2000">
-                <a:latin typeface="Open Sans"/>
-                <a:ea typeface="Open Sans"/>
-                <a:cs typeface="Open Sans"/>
-                <a:sym typeface="Open Sans"/>
-              </a:defRPr>
-            </a:pPr>
-            <a:r>
-              <a:t>Interpretation</a:t>
-            </a:r>
-          </a:p>
-        </p:txBody>
-      </p:sp>
-      <p:sp>
-        <p:nvSpPr>
-          <p:cNvPr id="119" name="Note: The data and information in this document is reflective of a hypothetical situation and client. This document is to be used for KPMG Virtual Internship purposes only."/>
           <p:cNvSpPr/>
           <p:nvPr/>
         </p:nvSpPr>
@@ -7301,6 +9333,7 @@
           </a:lstStyle>
           <a:p>
             <a:r>
+              <a:rPr dirty="0"/>
               <a:t>Data Exploration</a:t>
             </a:r>
           </a:p>
@@ -7597,7 +9630,7 @@
         <p:spPr>
           <a:xfrm>
             <a:off x="205025" y="263974"/>
-            <a:ext cx="8565600" cy="466642"/>
+            <a:ext cx="8565600" cy="492410"/>
           </a:xfrm>
           <a:prstGeom prst="rect">
             <a:avLst/>
@@ -7626,7 +9659,8 @@
           </a:lstStyle>
           <a:p>
             <a:r>
-              <a:t>Model Development</a:t>
+              <a:rPr lang="en-IN" dirty="0"/>
+              <a:t>Data Exploration</a:t>
             </a:r>
           </a:p>
         </p:txBody>
@@ -7898,7 +9932,7 @@
         <p:spPr>
           <a:xfrm>
             <a:off x="205025" y="263974"/>
-            <a:ext cx="8565600" cy="466642"/>
+            <a:ext cx="8565600" cy="492410"/>
           </a:xfrm>
           <a:prstGeom prst="rect">
             <a:avLst/>
@@ -7927,7 +9961,8 @@
           </a:lstStyle>
           <a:p>
             <a:r>
-              <a:t>Model Development</a:t>
+              <a:rPr lang="en-IN" dirty="0"/>
+              <a:t>Data Exploration</a:t>
             </a:r>
           </a:p>
         </p:txBody>
@@ -8204,7 +10239,7 @@
         <p:spPr>
           <a:xfrm>
             <a:off x="205025" y="263974"/>
-            <a:ext cx="8565600" cy="466642"/>
+            <a:ext cx="8565600" cy="492410"/>
           </a:xfrm>
           <a:prstGeom prst="rect">
             <a:avLst/>
@@ -8233,7 +10268,8 @@
           </a:lstStyle>
           <a:p>
             <a:r>
-              <a:t>Model Development</a:t>
+              <a:rPr lang="en-IN" dirty="0"/>
+              <a:t>Data Exploration</a:t>
             </a:r>
           </a:p>
         </p:txBody>
@@ -8510,7 +10546,7 @@
         <p:spPr>
           <a:xfrm>
             <a:off x="205025" y="263974"/>
-            <a:ext cx="8565600" cy="466642"/>
+            <a:ext cx="8565600" cy="492410"/>
           </a:xfrm>
           <a:prstGeom prst="rect">
             <a:avLst/>
@@ -8539,7 +10575,8 @@
           </a:lstStyle>
           <a:p>
             <a:r>
-              <a:t>Model Development</a:t>
+              <a:rPr lang="en-IN" dirty="0"/>
+              <a:t>Data Exploration</a:t>
             </a:r>
           </a:p>
         </p:txBody>
